--- a/ITAU.pptx
+++ b/ITAU.pptx
@@ -8350,7 +8350,25 @@
                 </a:solidFill>
                 <a:latin typeface="Consolas" panose="020B0609020204030204" pitchFamily="49" charset="0"/>
               </a:rPr>
-              <a:t>ITAUM.IMS.LOAD</a:t>
+              <a:t>ITAU</a:t>
+            </a:r>
+            <a:r>
+              <a:rPr lang="en-GB" sz="1100" dirty="0" smtClean="0">
+                <a:solidFill>
+                  <a:srgbClr val="FF0000"/>
+                </a:solidFill>
+                <a:latin typeface="Consolas" panose="020B0609020204030204" pitchFamily="49" charset="0"/>
+              </a:rPr>
+              <a:t>#</a:t>
+            </a:r>
+            <a:r>
+              <a:rPr lang="en-GB" sz="1100" dirty="0" smtClean="0">
+                <a:solidFill>
+                  <a:schemeClr val="tx1"/>
+                </a:solidFill>
+                <a:latin typeface="Consolas" panose="020B0609020204030204" pitchFamily="49" charset="0"/>
+              </a:rPr>
+              <a:t>.IMS.LOAD</a:t>
             </a:r>
           </a:p>
           <a:p>
@@ -10278,7 +10296,7 @@
           <a:lstStyle/>
           <a:p>
             <a:r>
-              <a:rPr lang="en-US" smtClean="0"/>
+              <a:rPr lang="en-US" dirty="0" smtClean="0"/>
               <a:t>Show process …</a:t>
             </a:r>
             <a:endParaRPr lang="en-US" dirty="0"/>

--- a/ITAU.pptx
+++ b/ITAU.pptx
@@ -247,7 +247,7 @@
               <a:rPr lang="en-US" smtClean="0">
                 <a:latin typeface="Arial" panose="020B0604020202020204" pitchFamily="34" charset="0"/>
               </a:rPr>
-              <a:t>5/1/2020</a:t>
+              <a:t>5/5/2020</a:t>
             </a:fld>
             <a:endParaRPr lang="en-US" dirty="0">
               <a:latin typeface="Arial" panose="020B0604020202020204" pitchFamily="34" charset="0"/>
@@ -425,7 +425,7 @@
             <a:fld id="{20BAC53A-F092-42C8-9364-10E62332E740}" type="datetimeFigureOut">
               <a:rPr lang="en-US" smtClean="0"/>
               <a:pPr/>
-              <a:t>5/1/2020</a:t>
+              <a:t>5/5/2020</a:t>
             </a:fld>
             <a:endParaRPr lang="en-US" dirty="0"/>
           </a:p>
@@ -4927,15 +4927,7 @@
           <a:p>
             <a:r>
               <a:rPr lang="en-US" dirty="0" smtClean="0"/>
-              <a:t>May</a:t>
-            </a:r>
-            <a:r>
-              <a:rPr lang="en-US" dirty="0" smtClean="0"/>
-              <a:t> </a:t>
-            </a:r>
-            <a:r>
-              <a:rPr lang="en-US" dirty="0" smtClean="0"/>
-              <a:t>2020</a:t>
+              <a:t>May 2020</a:t>
             </a:r>
             <a:endParaRPr lang="en-US" dirty="0"/>
           </a:p>
@@ -4958,11 +4950,7 @@
           <a:p>
             <a:r>
               <a:rPr lang="en-US" dirty="0" smtClean="0"/>
-              <a:t>Diego Rodríguez </a:t>
-            </a:r>
-            <a:r>
-              <a:rPr lang="en-US" dirty="0" smtClean="0"/>
-              <a:t>Bravo – EMEA CSC - Madrid</a:t>
+              <a:t>Diego Rodríguez Bravo – EMEA CSC - Madrid</a:t>
             </a:r>
             <a:endParaRPr lang="en-US" dirty="0"/>
           </a:p>
@@ -5027,7 +5015,6 @@
               <a:rPr lang="en-US" dirty="0"/>
               <a:t>Zowe Featuring ITAÚ Application Cloning</a:t>
             </a:r>
-            <a:endParaRPr lang="en-US" dirty="0"/>
           </a:p>
         </p:txBody>
       </p:sp>
@@ -5794,7 +5781,6 @@
               <a:rPr lang="en-US" dirty="0"/>
               <a:t>Zowe Featuring ITAÚ Application Cloning</a:t>
             </a:r>
-            <a:endParaRPr lang="en-US" dirty="0"/>
           </a:p>
         </p:txBody>
       </p:sp>
@@ -6024,7 +6010,6 @@
               <a:rPr lang="en-US" dirty="0"/>
               <a:t>Zowe Featuring ITAÚ Application Cloning</a:t>
             </a:r>
-            <a:endParaRPr lang="en-US" dirty="0"/>
           </a:p>
         </p:txBody>
       </p:sp>
@@ -6091,7 +6076,16 @@
                 </a:solidFill>
                 <a:latin typeface="Consolas" panose="020B0609020204030204" pitchFamily="49" charset="0"/>
               </a:rPr>
-              <a:t> </a:t>
+              <a:t> zos-files create </a:t>
+            </a:r>
+            <a:r>
+              <a:rPr lang="en-US" sz="1200" b="1" dirty="0" smtClean="0">
+                <a:solidFill>
+                  <a:srgbClr val="0070C0"/>
+                </a:solidFill>
+                <a:latin typeface="Consolas" panose="020B0609020204030204" pitchFamily="49" charset="0"/>
+              </a:rPr>
+              <a:t>bin </a:t>
             </a:r>
             <a:r>
               <a:rPr lang="en-US" sz="1200" b="1" dirty="0">
@@ -6100,7 +6094,16 @@
                 </a:solidFill>
                 <a:latin typeface="Consolas" panose="020B0609020204030204" pitchFamily="49" charset="0"/>
               </a:rPr>
-              <a:t>zos-files create ITAU1.LOAD bin ITAU1.LOAD </a:t>
+              <a:t>ITAU1.LOAD --</a:t>
+            </a:r>
+            <a:r>
+              <a:rPr lang="en-US" sz="1200" b="1" dirty="0" err="1">
+                <a:solidFill>
+                  <a:srgbClr val="0070C0"/>
+                </a:solidFill>
+                <a:latin typeface="Consolas" panose="020B0609020204030204" pitchFamily="49" charset="0"/>
+              </a:rPr>
+              <a:t>bs</a:t>
             </a:r>
             <a:r>
               <a:rPr lang="en-US" sz="1200" b="1" dirty="0">
@@ -6109,7 +6112,7 @@
                 </a:solidFill>
                 <a:latin typeface="Consolas" panose="020B0609020204030204" pitchFamily="49" charset="0"/>
               </a:rPr>
-              <a:t>--</a:t>
+              <a:t> 27998 --</a:t>
             </a:r>
             <a:r>
               <a:rPr lang="en-US" sz="1200" b="1" dirty="0" err="1">
@@ -6118,7 +6121,7 @@
                 </a:solidFill>
                 <a:latin typeface="Consolas" panose="020B0609020204030204" pitchFamily="49" charset="0"/>
               </a:rPr>
-              <a:t>bs</a:t>
+              <a:t>rf</a:t>
             </a:r>
             <a:r>
               <a:rPr lang="en-US" sz="1200" b="1" dirty="0">
@@ -6127,7 +6130,7 @@
                 </a:solidFill>
                 <a:latin typeface="Consolas" panose="020B0609020204030204" pitchFamily="49" charset="0"/>
               </a:rPr>
-              <a:t> 27998 --</a:t>
+              <a:t> U --</a:t>
             </a:r>
             <a:r>
               <a:rPr lang="en-US" sz="1200" b="1" dirty="0" err="1">
@@ -6136,7 +6139,7 @@
                 </a:solidFill>
                 <a:latin typeface="Consolas" panose="020B0609020204030204" pitchFamily="49" charset="0"/>
               </a:rPr>
-              <a:t>rf</a:t>
+              <a:t>rl</a:t>
             </a:r>
             <a:r>
               <a:rPr lang="en-US" sz="1200" b="1" dirty="0">
@@ -6145,7 +6148,7 @@
                 </a:solidFill>
                 <a:latin typeface="Consolas" panose="020B0609020204030204" pitchFamily="49" charset="0"/>
               </a:rPr>
-              <a:t> U --</a:t>
+              <a:t> 27998 --</a:t>
             </a:r>
             <a:r>
               <a:rPr lang="en-US" sz="1200" b="1" dirty="0" err="1">
@@ -6154,7 +6157,7 @@
                 </a:solidFill>
                 <a:latin typeface="Consolas" panose="020B0609020204030204" pitchFamily="49" charset="0"/>
               </a:rPr>
-              <a:t>rl</a:t>
+              <a:t>sz</a:t>
             </a:r>
             <a:r>
               <a:rPr lang="en-US" sz="1200" b="1" dirty="0">
@@ -6163,7 +6166,7 @@
                 </a:solidFill>
                 <a:latin typeface="Consolas" panose="020B0609020204030204" pitchFamily="49" charset="0"/>
               </a:rPr>
-              <a:t> 27998 --</a:t>
+              <a:t> 10CYL --</a:t>
             </a:r>
             <a:r>
               <a:rPr lang="en-US" sz="1200" b="1" dirty="0" err="1">
@@ -6172,7 +6175,7 @@
                 </a:solidFill>
                 <a:latin typeface="Consolas" panose="020B0609020204030204" pitchFamily="49" charset="0"/>
               </a:rPr>
-              <a:t>sz</a:t>
+              <a:t>ss</a:t>
             </a:r>
             <a:r>
               <a:rPr lang="en-US" sz="1200" b="1" dirty="0">
@@ -6181,34 +6184,7 @@
                 </a:solidFill>
                 <a:latin typeface="Consolas" panose="020B0609020204030204" pitchFamily="49" charset="0"/>
               </a:rPr>
-              <a:t> 10CYL --</a:t>
-            </a:r>
-            <a:r>
-              <a:rPr lang="en-US" sz="1200" b="1" dirty="0" err="1">
-                <a:solidFill>
-                  <a:srgbClr val="0070C0"/>
-                </a:solidFill>
-                <a:latin typeface="Consolas" panose="020B0609020204030204" pitchFamily="49" charset="0"/>
-              </a:rPr>
-              <a:t>ss</a:t>
-            </a:r>
-            <a:r>
-              <a:rPr lang="en-US" sz="1200" b="1" dirty="0">
-                <a:solidFill>
-                  <a:srgbClr val="0070C0"/>
-                </a:solidFill>
-                <a:latin typeface="Consolas" panose="020B0609020204030204" pitchFamily="49" charset="0"/>
-              </a:rPr>
-              <a:t> </a:t>
-            </a:r>
-            <a:r>
-              <a:rPr lang="en-US" sz="1200" b="1" dirty="0">
-                <a:solidFill>
-                  <a:srgbClr val="0070C0"/>
-                </a:solidFill>
-                <a:latin typeface="Consolas" panose="020B0609020204030204" pitchFamily="49" charset="0"/>
-              </a:rPr>
-              <a:t>10</a:t>
+              <a:t> 10</a:t>
             </a:r>
           </a:p>
           <a:p>
@@ -6375,16 +6351,7 @@
                 </a:solidFill>
                 <a:latin typeface="Consolas" panose="020B0609020204030204" pitchFamily="49" charset="0"/>
               </a:rPr>
-              <a:t>" "ITAU1.JCL(CREALIB</a:t>
-            </a:r>
-            <a:r>
-              <a:rPr lang="en-US" sz="1200" b="1" dirty="0">
-                <a:solidFill>
-                  <a:srgbClr val="0070C0"/>
-                </a:solidFill>
-                <a:latin typeface="Consolas" panose="020B0609020204030204" pitchFamily="49" charset="0"/>
-              </a:rPr>
-              <a:t>)“</a:t>
+              <a:t>" "ITAU1.JCL(CREALIB)“</a:t>
             </a:r>
           </a:p>
           <a:p>
@@ -6405,16 +6372,7 @@
                 </a:solidFill>
                 <a:latin typeface="Consolas" panose="020B0609020204030204" pitchFamily="49" charset="0"/>
               </a:rPr>
-              <a:t> zos-jobs submit data-set "ITAU1.JCL(CREALIB</a:t>
-            </a:r>
-            <a:r>
-              <a:rPr lang="en-GB" sz="1200" b="1" dirty="0">
-                <a:solidFill>
-                  <a:srgbClr val="0070C0"/>
-                </a:solidFill>
-                <a:latin typeface="Consolas" panose="020B0609020204030204" pitchFamily="49" charset="0"/>
-              </a:rPr>
-              <a:t>)“ </a:t>
+              <a:t> zos-jobs submit data-set "ITAU1.JCL(CREALIB)“ </a:t>
             </a:r>
             <a:r>
               <a:rPr lang="en-GB" sz="1200" b="1" dirty="0" smtClean="0">
@@ -6505,7 +6463,6 @@
               <a:rPr lang="en-US" sz="1400" dirty="0"/>
               <a:t>and issue as much commands as member in the file:</a:t>
             </a:r>
-            <a:endParaRPr lang="en-US" sz="1400" dirty="0"/>
           </a:p>
           <a:p>
             <a:pPr lvl="2"/>
@@ -7251,7 +7208,6 @@
               <a:rPr lang="en-US" dirty="0"/>
               <a:t>Zowe Featuring ITAÚ Application Cloning</a:t>
             </a:r>
-            <a:endParaRPr lang="en-US" dirty="0"/>
           </a:p>
         </p:txBody>
       </p:sp>
@@ -8032,8 +7988,11 @@
               <a:rPr lang="en-GB" sz="1000" dirty="0" smtClean="0">
                 <a:latin typeface="Consolas" panose="020B0609020204030204" pitchFamily="49" charset="0"/>
               </a:rPr>
-              <a:t>ITAUMC01</a:t>
-            </a:r>
+              <a:t>ITAUM001</a:t>
+            </a:r>
+            <a:endParaRPr lang="en-GB" sz="1000" dirty="0" smtClean="0">
+              <a:latin typeface="Consolas" panose="020B0609020204030204" pitchFamily="49" charset="0"/>
+            </a:endParaRPr>
           </a:p>
           <a:p>
             <a:pPr algn="ctr"/>
@@ -8041,8 +8000,11 @@
               <a:rPr lang="en-GB" sz="1000" dirty="0" smtClean="0">
                 <a:latin typeface="Consolas" panose="020B0609020204030204" pitchFamily="49" charset="0"/>
               </a:rPr>
-              <a:t>ITAUMC02</a:t>
-            </a:r>
+              <a:t>ITAUM002</a:t>
+            </a:r>
+            <a:endParaRPr lang="en-GB" sz="1000" dirty="0" smtClean="0">
+              <a:latin typeface="Consolas" panose="020B0609020204030204" pitchFamily="49" charset="0"/>
+            </a:endParaRPr>
           </a:p>
         </p:txBody>
       </p:sp>
@@ -8920,8 +8882,11 @@
               <a:rPr lang="en-GB" sz="1000" dirty="0" smtClean="0">
                 <a:latin typeface="Consolas" panose="020B0609020204030204" pitchFamily="49" charset="0"/>
               </a:rPr>
-              <a:t>C01</a:t>
-            </a:r>
+              <a:t>001</a:t>
+            </a:r>
+            <a:endParaRPr lang="en-GB" sz="1000" dirty="0" smtClean="0">
+              <a:latin typeface="Consolas" panose="020B0609020204030204" pitchFamily="49" charset="0"/>
+            </a:endParaRPr>
           </a:p>
           <a:p>
             <a:pPr algn="ctr"/>
@@ -8941,11 +8906,20 @@
               <a:t>#</a:t>
             </a:r>
             <a:r>
+              <a:rPr lang="en-GB" sz="1000" dirty="0">
+                <a:latin typeface="Consolas" panose="020B0609020204030204" pitchFamily="49" charset="0"/>
+              </a:rPr>
+              <a:t>0</a:t>
+            </a:r>
+            <a:r>
               <a:rPr lang="en-GB" sz="1000" dirty="0" smtClean="0">
                 <a:latin typeface="Consolas" panose="020B0609020204030204" pitchFamily="49" charset="0"/>
               </a:rPr>
-              <a:t>C02</a:t>
-            </a:r>
+              <a:t>02</a:t>
+            </a:r>
+            <a:endParaRPr lang="en-GB" sz="1000" dirty="0" smtClean="0">
+              <a:latin typeface="Consolas" panose="020B0609020204030204" pitchFamily="49" charset="0"/>
+            </a:endParaRPr>
           </a:p>
         </p:txBody>
       </p:sp>
@@ -9759,7 +9733,6 @@
               <a:rPr lang="en-US" dirty="0"/>
               <a:t>Zowe Featuring ITAÚ Application Cloning</a:t>
             </a:r>
-            <a:endParaRPr lang="en-US" dirty="0"/>
           </a:p>
         </p:txBody>
       </p:sp>
@@ -10045,7 +10018,6 @@
               <a:rPr lang="en-US" dirty="0"/>
               <a:t>Zowe Featuring ITAÚ Application Cloning</a:t>
             </a:r>
-            <a:endParaRPr lang="en-US" dirty="0"/>
           </a:p>
         </p:txBody>
       </p:sp>
@@ -10480,7 +10452,6 @@
               <a:rPr lang="en-US" dirty="0"/>
               <a:t>Zowe Featuring ITAÚ Application Cloning</a:t>
             </a:r>
-            <a:endParaRPr lang="en-US" dirty="0"/>
           </a:p>
         </p:txBody>
       </p:sp>
@@ -10829,9 +10800,6 @@
               </a:rPr>
               <a:t>JCLs</a:t>
             </a:r>
-            <a:endParaRPr lang="en-GB" sz="1200" dirty="0" smtClean="0">
-              <a:latin typeface="Consolas" panose="020B0609020204030204" pitchFamily="49" charset="0"/>
-            </a:endParaRPr>
           </a:p>
         </p:txBody>
       </p:sp>
@@ -10887,9 +10855,6 @@
               </a:rPr>
               <a:t>Objects</a:t>
             </a:r>
-            <a:endParaRPr lang="en-GB" sz="1200" dirty="0" smtClean="0">
-              <a:latin typeface="Consolas" panose="020B0609020204030204" pitchFamily="49" charset="0"/>
-            </a:endParaRPr>
           </a:p>
         </p:txBody>
       </p:sp>
@@ -10945,9 +10910,6 @@
               </a:rPr>
               <a:t>Objects</a:t>
             </a:r>
-            <a:endParaRPr lang="en-GB" sz="1200" dirty="0" smtClean="0">
-              <a:latin typeface="Consolas" panose="020B0609020204030204" pitchFamily="49" charset="0"/>
-            </a:endParaRPr>
           </a:p>
         </p:txBody>
       </p:sp>
@@ -11003,9 +10965,6 @@
               </a:rPr>
               <a:t>Objects</a:t>
             </a:r>
-            <a:endParaRPr lang="en-GB" sz="1200" dirty="0" smtClean="0">
-              <a:latin typeface="Consolas" panose="020B0609020204030204" pitchFamily="49" charset="0"/>
-            </a:endParaRPr>
           </a:p>
         </p:txBody>
       </p:sp>
@@ -11052,9 +11011,6 @@
               </a:rPr>
               <a:t>DBRMs</a:t>
             </a:r>
-            <a:endParaRPr lang="en-GB" sz="1200" dirty="0" smtClean="0">
-              <a:latin typeface="Consolas" panose="020B0609020204030204" pitchFamily="49" charset="0"/>
-            </a:endParaRPr>
           </a:p>
         </p:txBody>
       </p:sp>
@@ -11842,9 +11798,6 @@
               </a:rPr>
               <a:t>Deploy</a:t>
             </a:r>
-            <a:endParaRPr lang="en-GB" sz="1200" dirty="0" smtClean="0">
-              <a:latin typeface="Consolas" panose="020B0609020204030204" pitchFamily="49" charset="0"/>
-            </a:endParaRPr>
           </a:p>
         </p:txBody>
       </p:sp>
@@ -12493,9 +12446,6 @@
               </a:rPr>
               <a:t>Deploy</a:t>
             </a:r>
-            <a:endParaRPr lang="en-GB" sz="1200" dirty="0" smtClean="0">
-              <a:latin typeface="Consolas" panose="020B0609020204030204" pitchFamily="49" charset="0"/>
-            </a:endParaRPr>
           </a:p>
         </p:txBody>
       </p:sp>
@@ -13920,7 +13870,6 @@
               <a:rPr lang="en-US" dirty="0"/>
               <a:t>Zowe Featuring ITAÚ Application Cloning</a:t>
             </a:r>
-            <a:endParaRPr lang="en-US" dirty="0"/>
           </a:p>
         </p:txBody>
       </p:sp>
@@ -14216,9 +14165,6 @@
                 </a:rPr>
                 <a:t>ITAUM.COBOL</a:t>
               </a:r>
-              <a:endParaRPr lang="en-GB" sz="1200" dirty="0" smtClean="0">
-                <a:latin typeface="Consolas" panose="020B0609020204030204" pitchFamily="49" charset="0"/>
-              </a:endParaRPr>
             </a:p>
           </p:txBody>
         </p:sp>
@@ -14265,9 +14211,6 @@
                 </a:rPr>
                 <a:t>ITAUM.JCL</a:t>
               </a:r>
-              <a:endParaRPr lang="en-GB" sz="1200" dirty="0" smtClean="0">
-                <a:latin typeface="Consolas" panose="020B0609020204030204" pitchFamily="49" charset="0"/>
-              </a:endParaRPr>
             </a:p>
           </p:txBody>
         </p:sp>
@@ -14360,9 +14303,6 @@
                 </a:rPr>
                 <a:t>ITAUM.IMS.LOAD</a:t>
               </a:r>
-              <a:endParaRPr lang="en-GB" sz="1100" dirty="0" smtClean="0">
-                <a:latin typeface="Consolas" panose="020B0609020204030204" pitchFamily="49" charset="0"/>
-              </a:endParaRPr>
             </a:p>
           </p:txBody>
         </p:sp>
@@ -14409,9 +14349,6 @@
                 </a:rPr>
                 <a:t>ITAUM.CICS.LOAD</a:t>
               </a:r>
-              <a:endParaRPr lang="en-GB" sz="1100" dirty="0" smtClean="0">
-                <a:latin typeface="Consolas" panose="020B0609020204030204" pitchFamily="49" charset="0"/>
-              </a:endParaRPr>
             </a:p>
           </p:txBody>
         </p:sp>
@@ -14458,9 +14395,6 @@
                 </a:rPr>
                 <a:t>ITAUM.DBRM</a:t>
               </a:r>
-              <a:endParaRPr lang="en-GB" sz="1200" dirty="0" smtClean="0">
-                <a:latin typeface="Consolas" panose="020B0609020204030204" pitchFamily="49" charset="0"/>
-              </a:endParaRPr>
             </a:p>
           </p:txBody>
         </p:sp>
@@ -14619,9 +14553,6 @@
                 </a:rPr>
                 <a:t>ITAUM.*</a:t>
               </a:r>
-              <a:endParaRPr lang="en-GB" sz="1200" dirty="0">
-                <a:latin typeface="Consolas" panose="020B0609020204030204" pitchFamily="49" charset="0"/>
-              </a:endParaRPr>
             </a:p>
           </p:txBody>
         </p:sp>
@@ -14677,9 +14608,6 @@
                 </a:rPr>
                 <a:t>ITAUM.*</a:t>
               </a:r>
-              <a:endParaRPr lang="en-GB" sz="1200" dirty="0">
-                <a:latin typeface="Consolas" panose="020B0609020204030204" pitchFamily="49" charset="0"/>
-              </a:endParaRPr>
             </a:p>
           </p:txBody>
         </p:sp>
@@ -15314,7 +15242,6 @@
               <a:rPr lang="en-US" dirty="0"/>
               <a:t>Zowe Featuring ITAÚ Application Cloning</a:t>
             </a:r>
-            <a:endParaRPr lang="en-US" dirty="0"/>
           </a:p>
         </p:txBody>
       </p:sp>
@@ -15616,9 +15543,6 @@
                 </a:rPr>
                 <a:t>ITAUM.COBOL</a:t>
               </a:r>
-              <a:endParaRPr lang="en-GB" sz="400" dirty="0" smtClean="0">
-                <a:latin typeface="Consolas" panose="020B0609020204030204" pitchFamily="49" charset="0"/>
-              </a:endParaRPr>
             </a:p>
           </p:txBody>
         </p:sp>
@@ -15665,9 +15589,6 @@
                 </a:rPr>
                 <a:t>ITAUM.JCL</a:t>
               </a:r>
-              <a:endParaRPr lang="en-GB" sz="400" dirty="0" smtClean="0">
-                <a:latin typeface="Consolas" panose="020B0609020204030204" pitchFamily="49" charset="0"/>
-              </a:endParaRPr>
             </a:p>
           </p:txBody>
         </p:sp>
@@ -15760,9 +15681,6 @@
                 </a:rPr>
                 <a:t>ITAUM.IMS.LOAD</a:t>
               </a:r>
-              <a:endParaRPr lang="en-GB" sz="400" dirty="0" smtClean="0">
-                <a:latin typeface="Consolas" panose="020B0609020204030204" pitchFamily="49" charset="0"/>
-              </a:endParaRPr>
             </a:p>
           </p:txBody>
         </p:sp>
@@ -15809,9 +15727,6 @@
                 </a:rPr>
                 <a:t>ITAUM.CICS.LOAD</a:t>
               </a:r>
-              <a:endParaRPr lang="en-GB" sz="400" dirty="0" smtClean="0">
-                <a:latin typeface="Consolas" panose="020B0609020204030204" pitchFamily="49" charset="0"/>
-              </a:endParaRPr>
             </a:p>
           </p:txBody>
         </p:sp>
@@ -15858,9 +15773,6 @@
                 </a:rPr>
                 <a:t>ITAUM.DBRM</a:t>
               </a:r>
-              <a:endParaRPr lang="en-GB" sz="400" dirty="0" smtClean="0">
-                <a:latin typeface="Consolas" panose="020B0609020204030204" pitchFamily="49" charset="0"/>
-              </a:endParaRPr>
             </a:p>
           </p:txBody>
         </p:sp>
@@ -16023,9 +15935,6 @@
                 </a:rPr>
                 <a:t>ITAUM.*</a:t>
               </a:r>
-              <a:endParaRPr lang="en-GB" sz="400" dirty="0">
-                <a:latin typeface="Consolas" panose="020B0609020204030204" pitchFamily="49" charset="0"/>
-              </a:endParaRPr>
             </a:p>
           </p:txBody>
         </p:sp>
@@ -16081,9 +15990,6 @@
                 </a:rPr>
                 <a:t>ITAUM.*</a:t>
               </a:r>
-              <a:endParaRPr lang="en-GB" sz="400" dirty="0">
-                <a:latin typeface="Consolas" panose="020B0609020204030204" pitchFamily="49" charset="0"/>
-              </a:endParaRPr>
             </a:p>
           </p:txBody>
         </p:sp>
@@ -16824,9 +16730,6 @@
               </a:rPr>
               <a:t>ITAU1.COBOL</a:t>
             </a:r>
-            <a:endParaRPr lang="en-GB" sz="400" dirty="0" smtClean="0">
-              <a:latin typeface="Consolas" panose="020B0609020204030204" pitchFamily="49" charset="0"/>
-            </a:endParaRPr>
           </a:p>
         </p:txBody>
       </p:sp>
@@ -16873,9 +16776,6 @@
               </a:rPr>
               <a:t>ITAU1.JCL</a:t>
             </a:r>
-            <a:endParaRPr lang="en-GB" sz="400" dirty="0" smtClean="0">
-              <a:latin typeface="Consolas" panose="020B0609020204030204" pitchFamily="49" charset="0"/>
-            </a:endParaRPr>
           </a:p>
         </p:txBody>
       </p:sp>
@@ -16968,9 +16868,6 @@
               </a:rPr>
               <a:t>ITAU1.IMS.LOAD</a:t>
             </a:r>
-            <a:endParaRPr lang="en-GB" sz="400" dirty="0" smtClean="0">
-              <a:latin typeface="Consolas" panose="020B0609020204030204" pitchFamily="49" charset="0"/>
-            </a:endParaRPr>
           </a:p>
         </p:txBody>
       </p:sp>
@@ -17017,9 +16914,6 @@
               </a:rPr>
               <a:t>ITAU1.CICS.LOAD</a:t>
             </a:r>
-            <a:endParaRPr lang="en-GB" sz="400" dirty="0" smtClean="0">
-              <a:latin typeface="Consolas" panose="020B0609020204030204" pitchFamily="49" charset="0"/>
-            </a:endParaRPr>
           </a:p>
         </p:txBody>
       </p:sp>
@@ -17066,9 +16960,6 @@
               </a:rPr>
               <a:t>ITAU1.DBRM</a:t>
             </a:r>
-            <a:endParaRPr lang="en-GB" sz="400" dirty="0" smtClean="0">
-              <a:latin typeface="Consolas" panose="020B0609020204030204" pitchFamily="49" charset="0"/>
-            </a:endParaRPr>
           </a:p>
         </p:txBody>
       </p:sp>
@@ -18071,7 +17962,6 @@
               <a:rPr lang="en-US" dirty="0"/>
               <a:t>Zowe Featuring ITAÚ Application Cloning</a:t>
             </a:r>
-            <a:endParaRPr lang="en-US" dirty="0"/>
           </a:p>
         </p:txBody>
       </p:sp>
@@ -18710,11 +18600,7 @@
                       </a:r>
                       <a:r>
                         <a:rPr lang="en-GB" sz="1200" baseline="0" dirty="0" smtClean="0"/>
-                        <a:t> Install Transactions. </a:t>
-                      </a:r>
-                      <a:r>
-                        <a:rPr lang="en-GB" sz="1200" baseline="0" dirty="0" smtClean="0"/>
-                        <a:t>Define RCT entries for DB21</a:t>
+                        <a:t> Install Transactions. Define RCT entries for DB21</a:t>
                       </a:r>
                       <a:endParaRPr lang="en-GB" sz="1200" dirty="0" smtClean="0"/>
                     </a:p>
@@ -18909,7 +18795,6 @@
               <a:rPr lang="en-US" dirty="0"/>
               <a:t>Zowe Featuring ITAÚ Application Cloning</a:t>
             </a:r>
-            <a:endParaRPr lang="en-US" dirty="0"/>
           </a:p>
         </p:txBody>
       </p:sp>
@@ -19224,9 +19109,6 @@
                 </a:rPr>
                 <a:t>ITAUM.COBOL</a:t>
               </a:r>
-              <a:endParaRPr lang="en-GB" sz="400" dirty="0" smtClean="0">
-                <a:latin typeface="Consolas" panose="020B0609020204030204" pitchFamily="49" charset="0"/>
-              </a:endParaRPr>
             </a:p>
           </p:txBody>
         </p:sp>
@@ -19273,9 +19155,6 @@
                 </a:rPr>
                 <a:t>ITAUM.JCL</a:t>
               </a:r>
-              <a:endParaRPr lang="en-GB" sz="400" dirty="0" smtClean="0">
-                <a:latin typeface="Consolas" panose="020B0609020204030204" pitchFamily="49" charset="0"/>
-              </a:endParaRPr>
             </a:p>
           </p:txBody>
         </p:sp>
@@ -19368,9 +19247,6 @@
                 </a:rPr>
                 <a:t>ITAUM.IMS.LOAD</a:t>
               </a:r>
-              <a:endParaRPr lang="en-GB" sz="400" dirty="0" smtClean="0">
-                <a:latin typeface="Consolas" panose="020B0609020204030204" pitchFamily="49" charset="0"/>
-              </a:endParaRPr>
             </a:p>
           </p:txBody>
         </p:sp>
@@ -19417,9 +19293,6 @@
                 </a:rPr>
                 <a:t>ITAUM.CICS.LOAD</a:t>
               </a:r>
-              <a:endParaRPr lang="en-GB" sz="400" dirty="0" smtClean="0">
-                <a:latin typeface="Consolas" panose="020B0609020204030204" pitchFamily="49" charset="0"/>
-              </a:endParaRPr>
             </a:p>
           </p:txBody>
         </p:sp>
@@ -19466,9 +19339,6 @@
                 </a:rPr>
                 <a:t>ITAUM.DBRM</a:t>
               </a:r>
-              <a:endParaRPr lang="en-GB" sz="400" dirty="0" smtClean="0">
-                <a:latin typeface="Consolas" panose="020B0609020204030204" pitchFamily="49" charset="0"/>
-              </a:endParaRPr>
             </a:p>
           </p:txBody>
         </p:sp>
@@ -19631,9 +19501,6 @@
                 </a:rPr>
                 <a:t>ITAUM.*</a:t>
               </a:r>
-              <a:endParaRPr lang="en-GB" sz="400" dirty="0">
-                <a:latin typeface="Consolas" panose="020B0609020204030204" pitchFamily="49" charset="0"/>
-              </a:endParaRPr>
             </a:p>
           </p:txBody>
         </p:sp>
@@ -19689,9 +19556,6 @@
                 </a:rPr>
                 <a:t>ITAUM.*</a:t>
               </a:r>
-              <a:endParaRPr lang="en-GB" sz="400" dirty="0">
-                <a:latin typeface="Consolas" panose="020B0609020204030204" pitchFamily="49" charset="0"/>
-              </a:endParaRPr>
             </a:p>
           </p:txBody>
         </p:sp>
@@ -20446,9 +20310,6 @@
                 </a:rPr>
                 <a:t>ITAUM.COBOL</a:t>
               </a:r>
-              <a:endParaRPr lang="en-GB" sz="400" dirty="0" smtClean="0">
-                <a:latin typeface="Consolas" panose="020B0609020204030204" pitchFamily="49" charset="0"/>
-              </a:endParaRPr>
             </a:p>
           </p:txBody>
         </p:sp>
@@ -20495,9 +20356,6 @@
                 </a:rPr>
                 <a:t>ITAUM.JCL</a:t>
               </a:r>
-              <a:endParaRPr lang="en-GB" sz="400" dirty="0" smtClean="0">
-                <a:latin typeface="Consolas" panose="020B0609020204030204" pitchFamily="49" charset="0"/>
-              </a:endParaRPr>
             </a:p>
           </p:txBody>
         </p:sp>
@@ -20590,9 +20448,6 @@
                 </a:rPr>
                 <a:t>ITAUM.IMS.LOAD</a:t>
               </a:r>
-              <a:endParaRPr lang="en-GB" sz="400" dirty="0" smtClean="0">
-                <a:latin typeface="Consolas" panose="020B0609020204030204" pitchFamily="49" charset="0"/>
-              </a:endParaRPr>
             </a:p>
           </p:txBody>
         </p:sp>
@@ -20639,9 +20494,6 @@
                 </a:rPr>
                 <a:t>ITAUM.CICS.LOAD</a:t>
               </a:r>
-              <a:endParaRPr lang="en-GB" sz="400" dirty="0" smtClean="0">
-                <a:latin typeface="Consolas" panose="020B0609020204030204" pitchFamily="49" charset="0"/>
-              </a:endParaRPr>
             </a:p>
           </p:txBody>
         </p:sp>
@@ -20688,9 +20540,6 @@
                 </a:rPr>
                 <a:t>ITAUM.DBRM</a:t>
               </a:r>
-              <a:endParaRPr lang="en-GB" sz="400" dirty="0" smtClean="0">
-                <a:latin typeface="Consolas" panose="020B0609020204030204" pitchFamily="49" charset="0"/>
-              </a:endParaRPr>
             </a:p>
           </p:txBody>
         </p:sp>
@@ -20853,9 +20702,6 @@
                 </a:rPr>
                 <a:t>ITAUM.*</a:t>
               </a:r>
-              <a:endParaRPr lang="en-GB" sz="400" dirty="0">
-                <a:latin typeface="Consolas" panose="020B0609020204030204" pitchFamily="49" charset="0"/>
-              </a:endParaRPr>
             </a:p>
           </p:txBody>
         </p:sp>
@@ -20911,9 +20757,6 @@
                 </a:rPr>
                 <a:t>ITAUM.*</a:t>
               </a:r>
-              <a:endParaRPr lang="en-GB" sz="400" dirty="0">
-                <a:latin typeface="Consolas" panose="020B0609020204030204" pitchFamily="49" charset="0"/>
-              </a:endParaRPr>
             </a:p>
           </p:txBody>
         </p:sp>
@@ -21718,9 +21561,6 @@
                 </a:rPr>
                 <a:t>ITAUM.COBOL</a:t>
               </a:r>
-              <a:endParaRPr lang="en-GB" sz="400" dirty="0" smtClean="0">
-                <a:latin typeface="Consolas" panose="020B0609020204030204" pitchFamily="49" charset="0"/>
-              </a:endParaRPr>
             </a:p>
           </p:txBody>
         </p:sp>
@@ -21767,9 +21607,6 @@
                 </a:rPr>
                 <a:t>ITAUM.JCL</a:t>
               </a:r>
-              <a:endParaRPr lang="en-GB" sz="400" dirty="0" smtClean="0">
-                <a:latin typeface="Consolas" panose="020B0609020204030204" pitchFamily="49" charset="0"/>
-              </a:endParaRPr>
             </a:p>
           </p:txBody>
         </p:sp>
@@ -21862,9 +21699,6 @@
                 </a:rPr>
                 <a:t>ITAUM.IMS.LOAD</a:t>
               </a:r>
-              <a:endParaRPr lang="en-GB" sz="400" dirty="0" smtClean="0">
-                <a:latin typeface="Consolas" panose="020B0609020204030204" pitchFamily="49" charset="0"/>
-              </a:endParaRPr>
             </a:p>
           </p:txBody>
         </p:sp>
@@ -21911,9 +21745,6 @@
                 </a:rPr>
                 <a:t>ITAUM.CICS.LOAD</a:t>
               </a:r>
-              <a:endParaRPr lang="en-GB" sz="400" dirty="0" smtClean="0">
-                <a:latin typeface="Consolas" panose="020B0609020204030204" pitchFamily="49" charset="0"/>
-              </a:endParaRPr>
             </a:p>
           </p:txBody>
         </p:sp>
@@ -21960,9 +21791,6 @@
                 </a:rPr>
                 <a:t>ITAUM.DBRM</a:t>
               </a:r>
-              <a:endParaRPr lang="en-GB" sz="400" dirty="0" smtClean="0">
-                <a:latin typeface="Consolas" panose="020B0609020204030204" pitchFamily="49" charset="0"/>
-              </a:endParaRPr>
             </a:p>
           </p:txBody>
         </p:sp>
@@ -22125,9 +21953,6 @@
                 </a:rPr>
                 <a:t>ITAUM.*</a:t>
               </a:r>
-              <a:endParaRPr lang="en-GB" sz="400" dirty="0">
-                <a:latin typeface="Consolas" panose="020B0609020204030204" pitchFamily="49" charset="0"/>
-              </a:endParaRPr>
             </a:p>
           </p:txBody>
         </p:sp>
@@ -22183,9 +22008,6 @@
                 </a:rPr>
                 <a:t>ITAUM.*</a:t>
               </a:r>
-              <a:endParaRPr lang="en-GB" sz="400" dirty="0">
-                <a:latin typeface="Consolas" panose="020B0609020204030204" pitchFamily="49" charset="0"/>
-              </a:endParaRPr>
             </a:p>
           </p:txBody>
         </p:sp>
@@ -22945,9 +22767,6 @@
                 </a:rPr>
                 <a:t>ITAUM.COBOL</a:t>
               </a:r>
-              <a:endParaRPr lang="en-GB" sz="400" dirty="0" smtClean="0">
-                <a:latin typeface="Consolas" panose="020B0609020204030204" pitchFamily="49" charset="0"/>
-              </a:endParaRPr>
             </a:p>
           </p:txBody>
         </p:sp>
@@ -22994,9 +22813,6 @@
                 </a:rPr>
                 <a:t>ITAUM.JCL</a:t>
               </a:r>
-              <a:endParaRPr lang="en-GB" sz="400" dirty="0" smtClean="0">
-                <a:latin typeface="Consolas" panose="020B0609020204030204" pitchFamily="49" charset="0"/>
-              </a:endParaRPr>
             </a:p>
           </p:txBody>
         </p:sp>
@@ -23089,9 +22905,6 @@
                 </a:rPr>
                 <a:t>ITAUM.IMS.LOAD</a:t>
               </a:r>
-              <a:endParaRPr lang="en-GB" sz="400" dirty="0" smtClean="0">
-                <a:latin typeface="Consolas" panose="020B0609020204030204" pitchFamily="49" charset="0"/>
-              </a:endParaRPr>
             </a:p>
           </p:txBody>
         </p:sp>
@@ -23138,9 +22951,6 @@
                 </a:rPr>
                 <a:t>ITAUM.CICS.LOAD</a:t>
               </a:r>
-              <a:endParaRPr lang="en-GB" sz="400" dirty="0" smtClean="0">
-                <a:latin typeface="Consolas" panose="020B0609020204030204" pitchFamily="49" charset="0"/>
-              </a:endParaRPr>
             </a:p>
           </p:txBody>
         </p:sp>
@@ -23187,9 +22997,6 @@
                 </a:rPr>
                 <a:t>ITAUM.DBRM</a:t>
               </a:r>
-              <a:endParaRPr lang="en-GB" sz="400" dirty="0" smtClean="0">
-                <a:latin typeface="Consolas" panose="020B0609020204030204" pitchFamily="49" charset="0"/>
-              </a:endParaRPr>
             </a:p>
           </p:txBody>
         </p:sp>
@@ -23352,9 +23159,6 @@
                 </a:rPr>
                 <a:t>ITAUM.*</a:t>
               </a:r>
-              <a:endParaRPr lang="en-GB" sz="400" dirty="0">
-                <a:latin typeface="Consolas" panose="020B0609020204030204" pitchFamily="49" charset="0"/>
-              </a:endParaRPr>
             </a:p>
           </p:txBody>
         </p:sp>
@@ -23410,9 +23214,6 @@
                 </a:rPr>
                 <a:t>ITAUM.*</a:t>
               </a:r>
-              <a:endParaRPr lang="en-GB" sz="400" dirty="0">
-                <a:latin typeface="Consolas" panose="020B0609020204030204" pitchFamily="49" charset="0"/>
-              </a:endParaRPr>
             </a:p>
           </p:txBody>
         </p:sp>
@@ -24994,12 +24795,6 @@
               </a:rPr>
               <a:t>ITAU#001</a:t>
             </a:r>
-            <a:endParaRPr lang="en-GB" sz="1000" dirty="0" smtClean="0">
-              <a:solidFill>
-                <a:srgbClr val="FF0000"/>
-              </a:solidFill>
-              <a:latin typeface="Consolas" panose="020B0609020204030204" pitchFamily="49" charset="0"/>
-            </a:endParaRPr>
           </a:p>
         </p:txBody>
       </p:sp>
@@ -25322,9 +25117,6 @@
               </a:rPr>
               <a:t>ITAUM.*</a:t>
             </a:r>
-            <a:endParaRPr lang="en-GB" sz="1200" dirty="0">
-              <a:latin typeface="Consolas" panose="020B0609020204030204" pitchFamily="49" charset="0"/>
-            </a:endParaRPr>
           </a:p>
         </p:txBody>
       </p:sp>
@@ -25380,9 +25172,6 @@
               </a:rPr>
               <a:t>ITAUM.*</a:t>
             </a:r>
-            <a:endParaRPr lang="en-GB" sz="1200" dirty="0">
-              <a:latin typeface="Consolas" panose="020B0609020204030204" pitchFamily="49" charset="0"/>
-            </a:endParaRPr>
           </a:p>
         </p:txBody>
       </p:sp>
@@ -25878,7 +25667,6 @@
               <a:rPr lang="en-US" dirty="0"/>
               <a:t>Zowe Featuring ITAÚ Application Cloning</a:t>
             </a:r>
-            <a:endParaRPr lang="en-US" dirty="0"/>
           </a:p>
         </p:txBody>
       </p:sp>
@@ -26408,8 +26196,11 @@
                 <a:rPr lang="en-GB" sz="1000" dirty="0" smtClean="0">
                   <a:latin typeface="Consolas" panose="020B0609020204030204" pitchFamily="49" charset="0"/>
                 </a:rPr>
-                <a:t>ITAUMC01</a:t>
+                <a:t>ITAUM001</a:t>
               </a:r>
+              <a:endParaRPr lang="en-GB" sz="1000" dirty="0" smtClean="0">
+                <a:latin typeface="Consolas" panose="020B0609020204030204" pitchFamily="49" charset="0"/>
+              </a:endParaRPr>
             </a:p>
             <a:p>
               <a:pPr algn="ctr"/>
@@ -26417,8 +26208,11 @@
                 <a:rPr lang="en-GB" sz="1000" dirty="0" smtClean="0">
                   <a:latin typeface="Consolas" panose="020B0609020204030204" pitchFamily="49" charset="0"/>
                 </a:rPr>
-                <a:t>ITAUMC02</a:t>
+                <a:t>ITAUM002</a:t>
               </a:r>
+              <a:endParaRPr lang="en-GB" sz="1000" dirty="0" smtClean="0">
+                <a:latin typeface="Consolas" panose="020B0609020204030204" pitchFamily="49" charset="0"/>
+              </a:endParaRPr>
             </a:p>
             <a:p>
               <a:pPr algn="ctr"/>
@@ -26429,8 +26223,14 @@
                   </a:solidFill>
                   <a:latin typeface="Consolas" panose="020B0609020204030204" pitchFamily="49" charset="0"/>
                 </a:rPr>
-                <a:t>ITAUC#01</a:t>
+                <a:t>ITAU#001</a:t>
               </a:r>
+              <a:endParaRPr lang="en-GB" sz="1000" dirty="0" smtClean="0">
+                <a:solidFill>
+                  <a:srgbClr val="FF0000"/>
+                </a:solidFill>
+                <a:latin typeface="Consolas" panose="020B0609020204030204" pitchFamily="49" charset="0"/>
+              </a:endParaRPr>
             </a:p>
             <a:p>
               <a:pPr algn="ctr"/>
@@ -26441,8 +26241,14 @@
                   </a:solidFill>
                   <a:latin typeface="Consolas" panose="020B0609020204030204" pitchFamily="49" charset="0"/>
                 </a:rPr>
-                <a:t>ITAUC#02</a:t>
+                <a:t>ITAU#002</a:t>
               </a:r>
+              <a:endParaRPr lang="en-GB" sz="1000" dirty="0" smtClean="0">
+                <a:solidFill>
+                  <a:srgbClr val="FF0000"/>
+                </a:solidFill>
+                <a:latin typeface="Consolas" panose="020B0609020204030204" pitchFamily="49" charset="0"/>
+              </a:endParaRPr>
             </a:p>
           </p:txBody>
         </p:sp>
@@ -26541,7 +26347,6 @@
               <a:rPr lang="en-US" dirty="0"/>
               <a:t>Zowe Featuring ITAÚ Application Cloning</a:t>
             </a:r>
-            <a:endParaRPr lang="en-US" dirty="0"/>
           </a:p>
         </p:txBody>
       </p:sp>
@@ -27175,11 +26980,7 @@
                       </a:r>
                       <a:r>
                         <a:rPr lang="en-GB" sz="1200" baseline="0" dirty="0" smtClean="0"/>
-                        <a:t> Install Transactions &amp;</a:t>
-                      </a:r>
-                      <a:r>
-                        <a:rPr lang="en-GB" sz="1200" baseline="0" dirty="0" smtClean="0"/>
-                        <a:t> RCT entries for DB21</a:t>
+                        <a:t> Install Transactions &amp; RCT entries for DB21</a:t>
                       </a:r>
                       <a:endParaRPr lang="en-GB" sz="1200" dirty="0" smtClean="0"/>
                     </a:p>
@@ -27236,17 +27037,8 @@
             <a:pPr lvl="1"/>
             <a:r>
               <a:rPr lang="en-US" sz="1800" dirty="0" smtClean="0"/>
-              <a:t>No changes at all </a:t>
-            </a:r>
-            <a:r>
-              <a:rPr lang="en-US" sz="1800" dirty="0" smtClean="0"/>
-              <a:t>in IMS/CICS</a:t>
-            </a:r>
-            <a:r>
-              <a:rPr lang="en-US" sz="1800" dirty="0" smtClean="0"/>
-              <a:t> infrastructure</a:t>
-            </a:r>
-            <a:endParaRPr lang="en-US" sz="1800" dirty="0" smtClean="0"/>
+              <a:t>No changes at all in IMS/CICS infrastructure</a:t>
+            </a:r>
           </a:p>
           <a:p>
             <a:pPr lvl="1"/>
@@ -27276,23 +27068,7 @@
             <a:pPr lvl="1"/>
             <a:r>
               <a:rPr lang="en-US" sz="1800" dirty="0"/>
-              <a:t>Extra work </a:t>
-            </a:r>
-            <a:r>
-              <a:rPr lang="en-US" sz="1800" dirty="0"/>
-              <a:t>for developers</a:t>
-            </a:r>
-            <a:r>
-              <a:rPr lang="en-US" sz="1800" dirty="0"/>
-              <a:t>: Need to manage different names </a:t>
-            </a:r>
-            <a:r>
-              <a:rPr lang="en-US" sz="1800" dirty="0"/>
-              <a:t>for programs, transaction, tables, JCLs</a:t>
-            </a:r>
-            <a:r>
-              <a:rPr lang="en-US" sz="1800" dirty="0"/>
-              <a:t>… than the Master application</a:t>
+              <a:t>Extra work for developers: Need to manage different names for programs, transaction, tables, JCLs… than the Master application</a:t>
             </a:r>
           </a:p>
           <a:p>
@@ -27301,7 +27077,6 @@
               <a:rPr lang="en-US" sz="1800" dirty="0"/>
               <a:t>Changes may be required for static calls in Programs</a:t>
             </a:r>
-            <a:endParaRPr lang="en-US" sz="1800" dirty="0"/>
           </a:p>
           <a:p>
             <a:pPr lvl="2"/>
@@ -27386,7 +27161,6 @@
               <a:rPr lang="en-US" dirty="0"/>
               <a:t>Zowe Featuring ITAÚ Application Cloning</a:t>
             </a:r>
-            <a:endParaRPr lang="en-US" dirty="0"/>
           </a:p>
         </p:txBody>
       </p:sp>
@@ -28126,9 +27900,6 @@
               </a:rPr>
               <a:t>ITAUM.*</a:t>
             </a:r>
-            <a:endParaRPr lang="en-GB" sz="1200" dirty="0">
-              <a:latin typeface="Consolas" panose="020B0609020204030204" pitchFamily="49" charset="0"/>
-            </a:endParaRPr>
           </a:p>
         </p:txBody>
       </p:sp>
@@ -28184,9 +27955,6 @@
               </a:rPr>
               <a:t>ITAUM.*</a:t>
             </a:r>
-            <a:endParaRPr lang="en-GB" sz="1200" dirty="0">
-              <a:latin typeface="Consolas" panose="020B0609020204030204" pitchFamily="49" charset="0"/>
-            </a:endParaRPr>
           </a:p>
         </p:txBody>
       </p:sp>
@@ -30268,8 +30036,11 @@
               <a:rPr lang="en-GB" sz="1000" dirty="0" smtClean="0">
                 <a:latin typeface="Consolas" panose="020B0609020204030204" pitchFamily="49" charset="0"/>
               </a:rPr>
-              <a:t>ITAUMC01</a:t>
-            </a:r>
+              <a:t>ITAUM001</a:t>
+            </a:r>
+            <a:endParaRPr lang="en-GB" sz="1000" dirty="0" smtClean="0">
+              <a:latin typeface="Consolas" panose="020B0609020204030204" pitchFamily="49" charset="0"/>
+            </a:endParaRPr>
           </a:p>
         </p:txBody>
       </p:sp>
@@ -30326,8 +30097,14 @@
                 </a:solidFill>
                 <a:latin typeface="Consolas" panose="020B0609020204030204" pitchFamily="49" charset="0"/>
               </a:rPr>
-              <a:t>ITAUC101</a:t>
-            </a:r>
+              <a:t>ITAU1001</a:t>
+            </a:r>
+            <a:endParaRPr lang="en-GB" sz="1000" dirty="0" smtClean="0">
+              <a:solidFill>
+                <a:srgbClr val="FF0000"/>
+              </a:solidFill>
+              <a:latin typeface="Consolas" panose="020B0609020204030204" pitchFamily="49" charset="0"/>
+            </a:endParaRPr>
           </a:p>
         </p:txBody>
       </p:sp>
@@ -30384,8 +30161,14 @@
                 </a:solidFill>
                 <a:latin typeface="Consolas" panose="020B0609020204030204" pitchFamily="49" charset="0"/>
               </a:rPr>
-              <a:t>ITAUC201</a:t>
-            </a:r>
+              <a:t>ITAU2001</a:t>
+            </a:r>
+            <a:endParaRPr lang="en-GB" sz="1000" dirty="0" smtClean="0">
+              <a:solidFill>
+                <a:srgbClr val="FFFF00"/>
+              </a:solidFill>
+              <a:latin typeface="Consolas" panose="020B0609020204030204" pitchFamily="49" charset="0"/>
+            </a:endParaRPr>
           </a:p>
         </p:txBody>
       </p:sp>

--- a/ITAU.pptx
+++ b/ITAU.pptx
@@ -5,10 +5,10 @@
     <p:sldMasterId id="2147484089" r:id="rId1"/>
   </p:sldMasterIdLst>
   <p:notesMasterIdLst>
-    <p:notesMasterId r:id="rId21"/>
+    <p:notesMasterId r:id="rId24"/>
   </p:notesMasterIdLst>
   <p:handoutMasterIdLst>
-    <p:handoutMasterId r:id="rId22"/>
+    <p:handoutMasterId r:id="rId25"/>
   </p:handoutMasterIdLst>
   <p:sldIdLst>
     <p:sldId id="257" r:id="rId2"/>
@@ -28,8 +28,11 @@
     <p:sldId id="299" r:id="rId16"/>
     <p:sldId id="303" r:id="rId17"/>
     <p:sldId id="304" r:id="rId18"/>
-    <p:sldId id="284" r:id="rId19"/>
-    <p:sldId id="279" r:id="rId20"/>
+    <p:sldId id="305" r:id="rId19"/>
+    <p:sldId id="306" r:id="rId20"/>
+    <p:sldId id="307" r:id="rId21"/>
+    <p:sldId id="284" r:id="rId22"/>
+    <p:sldId id="279" r:id="rId23"/>
   </p:sldIdLst>
   <p:sldSz cx="12192000" cy="6858000"/>
   <p:notesSz cx="7086600" cy="9359900"/>
@@ -762,7 +765,7 @@
           <a:p>
             <a:fld id="{4FF0A437-926C-4CA3-A06C-CCC97DC4BFA4}" type="slidenum">
               <a:rPr lang="en-US" smtClean="0"/>
-              <a:t>19</a:t>
+              <a:t>22</a:t>
             </a:fld>
             <a:endParaRPr lang="en-US" dirty="0"/>
           </a:p>
@@ -7990,9 +7993,6 @@
               </a:rPr>
               <a:t>ITAUM001</a:t>
             </a:r>
-            <a:endParaRPr lang="en-GB" sz="1000" dirty="0" smtClean="0">
-              <a:latin typeface="Consolas" panose="020B0609020204030204" pitchFamily="49" charset="0"/>
-            </a:endParaRPr>
           </a:p>
           <a:p>
             <a:pPr algn="ctr"/>
@@ -8002,9 +8002,6 @@
               </a:rPr>
               <a:t>ITAUM002</a:t>
             </a:r>
-            <a:endParaRPr lang="en-GB" sz="1000" dirty="0" smtClean="0">
-              <a:latin typeface="Consolas" panose="020B0609020204030204" pitchFamily="49" charset="0"/>
-            </a:endParaRPr>
           </a:p>
         </p:txBody>
       </p:sp>
@@ -8884,9 +8881,6 @@
               </a:rPr>
               <a:t>001</a:t>
             </a:r>
-            <a:endParaRPr lang="en-GB" sz="1000" dirty="0" smtClean="0">
-              <a:latin typeface="Consolas" panose="020B0609020204030204" pitchFamily="49" charset="0"/>
-            </a:endParaRPr>
           </a:p>
           <a:p>
             <a:pPr algn="ctr"/>
@@ -8917,9 +8911,6 @@
               </a:rPr>
               <a:t>02</a:t>
             </a:r>
-            <a:endParaRPr lang="en-GB" sz="1000" dirty="0" smtClean="0">
-              <a:latin typeface="Consolas" panose="020B0609020204030204" pitchFamily="49" charset="0"/>
-            </a:endParaRPr>
           </a:p>
         </p:txBody>
       </p:sp>
@@ -10317,13 +10308,29 @@
       </p:grpSpPr>
       <p:sp>
         <p:nvSpPr>
-          <p:cNvPr id="2" name="Text Placeholder 1">
-            <a:extLst>
-              <a:ext uri="{FF2B5EF4-FFF2-40B4-BE49-F238E27FC236}">
-                <a16:creationId xmlns:a16="http://schemas.microsoft.com/office/drawing/2014/main" id="{CC68A6BB-6100-4875-9F0B-561263C294FF}"/>
-              </a:ext>
-            </a:extLst>
-          </p:cNvPr>
+          <p:cNvPr id="3" name="Title 2"/>
+          <p:cNvSpPr>
+            <a:spLocks noGrp="1"/>
+          </p:cNvSpPr>
+          <p:nvPr>
+            <p:ph type="title"/>
+          </p:nvPr>
+        </p:nvSpPr>
+        <p:spPr/>
+        <p:txBody>
+          <a:bodyPr/>
+          <a:lstStyle/>
+          <a:p>
+            <a:r>
+              <a:rPr lang="en-US" dirty="0"/>
+              <a:t>Zowe Featuring ITAÚ Application Cloning</a:t>
+            </a:r>
+          </a:p>
+        </p:txBody>
+      </p:sp>
+      <p:sp>
+        <p:nvSpPr>
+          <p:cNvPr id="4" name="Text Placeholder 3"/>
           <p:cNvSpPr>
             <a:spLocks noGrp="1"/>
           </p:cNvSpPr>
@@ -10331,23 +10338,209 @@
             <p:ph type="body" sz="quarter" idx="12"/>
           </p:nvPr>
         </p:nvSpPr>
-        <p:spPr/>
+        <p:spPr>
+          <a:xfrm>
+            <a:off x="413004" y="1005840"/>
+            <a:ext cx="11365992" cy="332399"/>
+          </a:xfrm>
+        </p:spPr>
         <p:txBody>
           <a:bodyPr/>
           <a:lstStyle/>
           <a:p>
             <a:r>
               <a:rPr lang="en-US" dirty="0" smtClean="0"/>
-              <a:t>Obrigado</a:t>
+              <a:t>ooRexx Featuring </a:t>
+            </a:r>
+            <a:r>
+              <a:rPr lang="en-US" dirty="0" err="1" smtClean="0"/>
+              <a:t>zowe</a:t>
+            </a:r>
+            <a:r>
+              <a:rPr lang="en-US" dirty="0" smtClean="0"/>
+              <a:t> for Application Cloning</a:t>
             </a:r>
             <a:endParaRPr lang="en-US" dirty="0"/>
           </a:p>
         </p:txBody>
       </p:sp>
+      <p:sp>
+        <p:nvSpPr>
+          <p:cNvPr id="109" name="Text Placeholder 1"/>
+          <p:cNvSpPr>
+            <a:spLocks noGrp="1"/>
+          </p:cNvSpPr>
+          <p:nvPr>
+            <p:ph type="body" sz="quarter" idx="10"/>
+          </p:nvPr>
+        </p:nvSpPr>
+        <p:spPr>
+          <a:xfrm>
+            <a:off x="413004" y="1426514"/>
+            <a:ext cx="11016996" cy="6714659"/>
+          </a:xfrm>
+        </p:spPr>
+        <p:txBody>
+          <a:bodyPr/>
+          <a:lstStyle/>
+          <a:p>
+            <a:r>
+              <a:rPr lang="en-US" sz="2000" dirty="0" smtClean="0"/>
+              <a:t>Process Developed in ooRexx.</a:t>
+            </a:r>
+          </a:p>
+          <a:p>
+            <a:r>
+              <a:rPr lang="en-US" sz="2000" dirty="0" smtClean="0"/>
+              <a:t>Simple program with the following Structure:</a:t>
+            </a:r>
+          </a:p>
+          <a:p>
+            <a:pPr lvl="1"/>
+            <a:r>
+              <a:rPr lang="en-US" sz="1800" dirty="0" smtClean="0"/>
+              <a:t>Read </a:t>
+            </a:r>
+            <a:r>
+              <a:rPr lang="en-US" sz="1800" dirty="0" err="1" smtClean="0"/>
+              <a:t>Config</a:t>
+            </a:r>
+            <a:r>
+              <a:rPr lang="en-US" sz="1800" dirty="0"/>
+              <a:t> </a:t>
+            </a:r>
+            <a:r>
+              <a:rPr lang="en-US" sz="1800" dirty="0" smtClean="0"/>
+              <a:t>File</a:t>
+            </a:r>
+          </a:p>
+          <a:p>
+            <a:pPr lvl="2"/>
+            <a:endParaRPr lang="en-US" sz="1600" dirty="0" smtClean="0"/>
+          </a:p>
+          <a:p>
+            <a:pPr lvl="2"/>
+            <a:endParaRPr lang="en-US" sz="1600" dirty="0" smtClean="0"/>
+          </a:p>
+          <a:p>
+            <a:pPr lvl="2"/>
+            <a:endParaRPr lang="en-GB" sz="1600" dirty="0" smtClean="0"/>
+          </a:p>
+          <a:p>
+            <a:endParaRPr lang="en-GB" sz="1600" dirty="0"/>
+          </a:p>
+          <a:p>
+            <a:r>
+              <a:rPr lang="en-GB" dirty="0" err="1" smtClean="0"/>
+              <a:t>get_lib_info</a:t>
+            </a:r>
+            <a:endParaRPr lang="en-GB" dirty="0"/>
+          </a:p>
+          <a:p>
+            <a:r>
+              <a:rPr lang="en-GB" dirty="0" err="1" smtClean="0"/>
+              <a:t>load_info</a:t>
+            </a:r>
+            <a:endParaRPr lang="en-GB" dirty="0"/>
+          </a:p>
+          <a:p>
+            <a:r>
+              <a:rPr lang="en-GB" dirty="0" smtClean="0"/>
+              <a:t>call</a:t>
+            </a:r>
+            <a:r>
+              <a:rPr lang="en-GB" dirty="0"/>
+              <a:t> </a:t>
+            </a:r>
+            <a:r>
+              <a:rPr lang="en-GB" dirty="0" err="1"/>
+              <a:t>allocate_files</a:t>
+            </a:r>
+            <a:endParaRPr lang="en-GB" dirty="0"/>
+          </a:p>
+          <a:p>
+            <a:r>
+              <a:rPr lang="en-GB" dirty="0" smtClean="0"/>
+              <a:t>call</a:t>
+            </a:r>
+            <a:r>
+              <a:rPr lang="en-GB" dirty="0"/>
+              <a:t> </a:t>
+            </a:r>
+            <a:r>
+              <a:rPr lang="en-GB" dirty="0" err="1"/>
+              <a:t>load_files</a:t>
+            </a:r>
+            <a:endParaRPr lang="en-GB" dirty="0"/>
+          </a:p>
+          <a:p>
+            <a:pPr lvl="2"/>
+            <a:endParaRPr lang="en-US" sz="1600" dirty="0" smtClean="0"/>
+          </a:p>
+          <a:p>
+            <a:pPr lvl="2"/>
+            <a:endParaRPr lang="en-US" sz="1600" dirty="0" smtClean="0"/>
+          </a:p>
+          <a:p>
+            <a:pPr lvl="2"/>
+            <a:endParaRPr lang="en-US" sz="1600" dirty="0" smtClean="0"/>
+          </a:p>
+          <a:p>
+            <a:pPr lvl="2"/>
+            <a:endParaRPr lang="en-US" sz="1600" dirty="0" smtClean="0"/>
+          </a:p>
+          <a:p>
+            <a:pPr lvl="2"/>
+            <a:endParaRPr lang="en-US" sz="1600" dirty="0" smtClean="0"/>
+          </a:p>
+          <a:p>
+            <a:pPr marL="628650" lvl="2" indent="0">
+              <a:buNone/>
+            </a:pPr>
+            <a:endParaRPr lang="en-US" dirty="0" smtClean="0"/>
+          </a:p>
+          <a:p>
+            <a:pPr lvl="2"/>
+            <a:endParaRPr lang="en-US" dirty="0" smtClean="0"/>
+          </a:p>
+          <a:p>
+            <a:pPr lvl="2"/>
+            <a:endParaRPr lang="en-US" dirty="0" smtClean="0"/>
+          </a:p>
+          <a:p>
+            <a:pPr lvl="2"/>
+            <a:endParaRPr lang="en-US" dirty="0"/>
+          </a:p>
+        </p:txBody>
+      </p:sp>
+      <p:pic>
+        <p:nvPicPr>
+          <p:cNvPr id="5" name="Picture 4"/>
+          <p:cNvPicPr>
+            <a:picLocks noChangeAspect="1"/>
+          </p:cNvPicPr>
+          <p:nvPr/>
+        </p:nvPicPr>
+        <p:blipFill>
+          <a:blip r:embed="rId2"/>
+          <a:stretch>
+            <a:fillRect/>
+          </a:stretch>
+        </p:blipFill>
+        <p:spPr>
+          <a:xfrm>
+            <a:off x="2987393" y="2173741"/>
+            <a:ext cx="2934109" cy="1762371"/>
+          </a:xfrm>
+          <a:prstGeom prst="rect">
+            <a:avLst/>
+          </a:prstGeom>
+        </p:spPr>
+      </p:pic>
     </p:spTree>
     <p:extLst>
       <p:ext uri="{BB962C8B-B14F-4D97-AF65-F5344CB8AC3E}">
-        <p14:creationId xmlns:p14="http://schemas.microsoft.com/office/powerpoint/2010/main" val="1324046772"/>
+        <p14:creationId xmlns:p14="http://schemas.microsoft.com/office/powerpoint/2010/main" val="2069255096"/>
       </p:ext>
     </p:extLst>
   </p:cSld>
@@ -10384,28 +10577,229 @@
           <a:chExt cx="0" cy="0"/>
         </a:xfrm>
       </p:grpSpPr>
+      <p:sp>
+        <p:nvSpPr>
+          <p:cNvPr id="3" name="Title 2"/>
+          <p:cNvSpPr>
+            <a:spLocks noGrp="1"/>
+          </p:cNvSpPr>
+          <p:nvPr>
+            <p:ph type="title"/>
+          </p:nvPr>
+        </p:nvSpPr>
+        <p:spPr/>
+        <p:txBody>
+          <a:bodyPr/>
+          <a:lstStyle/>
+          <a:p>
+            <a:r>
+              <a:rPr lang="en-US" dirty="0"/>
+              <a:t>Zowe Featuring ITAÚ Application Cloning</a:t>
+            </a:r>
+          </a:p>
+        </p:txBody>
+      </p:sp>
+      <p:sp>
+        <p:nvSpPr>
+          <p:cNvPr id="4" name="Text Placeholder 3"/>
+          <p:cNvSpPr>
+            <a:spLocks noGrp="1"/>
+          </p:cNvSpPr>
+          <p:nvPr>
+            <p:ph type="body" sz="quarter" idx="12"/>
+          </p:nvPr>
+        </p:nvSpPr>
+        <p:spPr>
+          <a:xfrm>
+            <a:off x="413004" y="1005840"/>
+            <a:ext cx="11365992" cy="332399"/>
+          </a:xfrm>
+        </p:spPr>
+        <p:txBody>
+          <a:bodyPr/>
+          <a:lstStyle/>
+          <a:p>
+            <a:r>
+              <a:rPr lang="en-US" dirty="0" smtClean="0"/>
+              <a:t>ooRexx Featuring </a:t>
+            </a:r>
+            <a:r>
+              <a:rPr lang="en-US" dirty="0" err="1" smtClean="0"/>
+              <a:t>zowe</a:t>
+            </a:r>
+            <a:r>
+              <a:rPr lang="en-US" dirty="0" smtClean="0"/>
+              <a:t> for Application Cloning</a:t>
+            </a:r>
+            <a:endParaRPr lang="en-US" dirty="0"/>
+          </a:p>
+        </p:txBody>
+      </p:sp>
+      <p:sp>
+        <p:nvSpPr>
+          <p:cNvPr id="109" name="Text Placeholder 1"/>
+          <p:cNvSpPr>
+            <a:spLocks noGrp="1"/>
+          </p:cNvSpPr>
+          <p:nvPr>
+            <p:ph type="body" sz="quarter" idx="10"/>
+          </p:nvPr>
+        </p:nvSpPr>
+        <p:spPr>
+          <a:xfrm>
+            <a:off x="413004" y="1426514"/>
+            <a:ext cx="11016996" cy="4844403"/>
+          </a:xfrm>
+        </p:spPr>
+        <p:txBody>
+          <a:bodyPr/>
+          <a:lstStyle/>
+          <a:p>
+            <a:r>
+              <a:rPr lang="en-GB" dirty="0" err="1" smtClean="0"/>
+              <a:t>get_lib_info</a:t>
+            </a:r>
+            <a:endParaRPr lang="en-GB" dirty="0" smtClean="0"/>
+          </a:p>
+          <a:p>
+            <a:endParaRPr lang="en-GB" dirty="0"/>
+          </a:p>
+          <a:p>
+            <a:endParaRPr lang="en-GB" dirty="0" smtClean="0"/>
+          </a:p>
+          <a:p>
+            <a:endParaRPr lang="en-GB" dirty="0"/>
+          </a:p>
+          <a:p>
+            <a:endParaRPr lang="en-GB" dirty="0"/>
+          </a:p>
+          <a:p>
+            <a:pPr marL="628650" lvl="2" indent="0">
+              <a:buNone/>
+            </a:pPr>
+            <a:endParaRPr lang="en-US" sz="1600" dirty="0" smtClean="0"/>
+          </a:p>
+          <a:p>
+            <a:pPr lvl="2"/>
+            <a:r>
+              <a:rPr lang="en-US" sz="1600" dirty="0" smtClean="0"/>
+              <a:t>Retriev</a:t>
+            </a:r>
+            <a:r>
+              <a:rPr lang="en-US" sz="1600" dirty="0" smtClean="0"/>
+              <a:t>e all </a:t>
+            </a:r>
+            <a:r>
+              <a:rPr lang="en-US" sz="1600" dirty="0" err="1" smtClean="0"/>
+              <a:t>ITAUMaster</a:t>
+            </a:r>
+            <a:r>
+              <a:rPr lang="en-US" sz="1600" dirty="0" smtClean="0"/>
+              <a:t> Files and store them in a .</a:t>
+            </a:r>
+            <a:r>
+              <a:rPr lang="en-US" sz="1600" dirty="0" err="1" smtClean="0"/>
+              <a:t>json</a:t>
+            </a:r>
+            <a:r>
+              <a:rPr lang="en-US" sz="1600" dirty="0" smtClean="0"/>
+              <a:t> file </a:t>
+            </a:r>
+            <a:endParaRPr lang="en-US" sz="1600" dirty="0" smtClean="0"/>
+          </a:p>
+          <a:p>
+            <a:pPr lvl="2"/>
+            <a:endParaRPr lang="en-US" sz="1600" dirty="0" smtClean="0"/>
+          </a:p>
+          <a:p>
+            <a:pPr lvl="2"/>
+            <a:endParaRPr lang="en-US" sz="1600" dirty="0" smtClean="0"/>
+          </a:p>
+          <a:p>
+            <a:pPr lvl="2"/>
+            <a:endParaRPr lang="en-US" sz="1600" dirty="0" smtClean="0"/>
+          </a:p>
+          <a:p>
+            <a:pPr marL="628650" lvl="2" indent="0">
+              <a:buNone/>
+            </a:pPr>
+            <a:endParaRPr lang="en-US" dirty="0" smtClean="0"/>
+          </a:p>
+          <a:p>
+            <a:pPr lvl="2"/>
+            <a:endParaRPr lang="en-US" dirty="0" smtClean="0"/>
+          </a:p>
+          <a:p>
+            <a:pPr lvl="2"/>
+            <a:endParaRPr lang="en-US" dirty="0" smtClean="0"/>
+          </a:p>
+          <a:p>
+            <a:pPr lvl="2"/>
+            <a:endParaRPr lang="en-US" dirty="0"/>
+          </a:p>
+        </p:txBody>
+      </p:sp>
+      <p:pic>
+        <p:nvPicPr>
+          <p:cNvPr id="2" name="Picture 1"/>
+          <p:cNvPicPr>
+            <a:picLocks noChangeAspect="1"/>
+          </p:cNvPicPr>
+          <p:nvPr/>
+        </p:nvPicPr>
+        <p:blipFill>
+          <a:blip r:embed="rId2"/>
+          <a:stretch>
+            <a:fillRect/>
+          </a:stretch>
+        </p:blipFill>
+        <p:spPr>
+          <a:xfrm>
+            <a:off x="747075" y="2009576"/>
+            <a:ext cx="5410955" cy="1419423"/>
+          </a:xfrm>
+          <a:prstGeom prst="rect">
+            <a:avLst/>
+          </a:prstGeom>
+        </p:spPr>
+      </p:pic>
+      <p:pic>
+        <p:nvPicPr>
+          <p:cNvPr id="6" name="Picture 5"/>
+          <p:cNvPicPr>
+            <a:picLocks noChangeAspect="1"/>
+          </p:cNvPicPr>
+          <p:nvPr/>
+        </p:nvPicPr>
+        <p:blipFill>
+          <a:blip r:embed="rId3"/>
+          <a:stretch>
+            <a:fillRect/>
+          </a:stretch>
+        </p:blipFill>
+        <p:spPr>
+          <a:xfrm>
+            <a:off x="7307907" y="1471896"/>
+            <a:ext cx="2972215" cy="4753638"/>
+          </a:xfrm>
+          <a:prstGeom prst="rect">
+            <a:avLst/>
+          </a:prstGeom>
+        </p:spPr>
+      </p:pic>
     </p:spTree>
     <p:extLst>
       <p:ext uri="{BB962C8B-B14F-4D97-AF65-F5344CB8AC3E}">
-        <p14:creationId xmlns:p14="http://schemas.microsoft.com/office/powerpoint/2010/main" val="3315097331"/>
+        <p14:creationId xmlns:p14="http://schemas.microsoft.com/office/powerpoint/2010/main" val="1545885135"/>
       </p:ext>
     </p:extLst>
   </p:cSld>
   <p:clrMapOvr>
     <a:masterClrMapping/>
   </p:clrMapOvr>
-  <mc:AlternateContent xmlns:mc="http://schemas.openxmlformats.org/markup-compatibility/2006" xmlns:p14="http://schemas.microsoft.com/office/powerpoint/2010/main">
-    <mc:Choice Requires="p14">
-      <p:transition spd="med" p14:dur="700">
-        <p:fade/>
-      </p:transition>
-    </mc:Choice>
-    <mc:Fallback xmlns="">
-      <p:transition spd="med">
-        <p:fade/>
-      </p:transition>
-    </mc:Fallback>
-  </mc:AlternateContent>
+  <p:transition spd="med">
+    <p:fade/>
+  </p:transition>
   <p:timing>
     <p:tnLst>
       <p:par>
@@ -13834,6 +14228,327 @@
 </p:sld>
 </file>
 
+<file path=ppt/slides/slide20.xml><?xml version="1.0" encoding="utf-8"?>
+<p:sld xmlns:a="http://schemas.openxmlformats.org/drawingml/2006/main" xmlns:r="http://schemas.openxmlformats.org/officeDocument/2006/relationships" xmlns:p="http://schemas.openxmlformats.org/presentationml/2006/main">
+  <p:cSld>
+    <p:spTree>
+      <p:nvGrpSpPr>
+        <p:cNvPr id="1" name=""/>
+        <p:cNvGrpSpPr/>
+        <p:nvPr/>
+      </p:nvGrpSpPr>
+      <p:grpSpPr>
+        <a:xfrm>
+          <a:off x="0" y="0"/>
+          <a:ext cx="0" cy="0"/>
+          <a:chOff x="0" y="0"/>
+          <a:chExt cx="0" cy="0"/>
+        </a:xfrm>
+      </p:grpSpPr>
+      <p:sp>
+        <p:nvSpPr>
+          <p:cNvPr id="3" name="Title 2"/>
+          <p:cNvSpPr>
+            <a:spLocks noGrp="1"/>
+          </p:cNvSpPr>
+          <p:nvPr>
+            <p:ph type="title"/>
+          </p:nvPr>
+        </p:nvSpPr>
+        <p:spPr/>
+        <p:txBody>
+          <a:bodyPr/>
+          <a:lstStyle/>
+          <a:p>
+            <a:r>
+              <a:rPr lang="en-US" dirty="0"/>
+              <a:t>Zowe Featuring ITAÚ Application Cloning</a:t>
+            </a:r>
+          </a:p>
+        </p:txBody>
+      </p:sp>
+      <p:sp>
+        <p:nvSpPr>
+          <p:cNvPr id="4" name="Text Placeholder 3"/>
+          <p:cNvSpPr>
+            <a:spLocks noGrp="1"/>
+          </p:cNvSpPr>
+          <p:nvPr>
+            <p:ph type="body" sz="quarter" idx="12"/>
+          </p:nvPr>
+        </p:nvSpPr>
+        <p:spPr>
+          <a:xfrm>
+            <a:off x="413004" y="1005840"/>
+            <a:ext cx="11365992" cy="332399"/>
+          </a:xfrm>
+        </p:spPr>
+        <p:txBody>
+          <a:bodyPr/>
+          <a:lstStyle/>
+          <a:p>
+            <a:r>
+              <a:rPr lang="en-US" dirty="0" smtClean="0"/>
+              <a:t>ooRexx Featuring </a:t>
+            </a:r>
+            <a:r>
+              <a:rPr lang="en-US" dirty="0" err="1" smtClean="0"/>
+              <a:t>zowe</a:t>
+            </a:r>
+            <a:r>
+              <a:rPr lang="en-US" dirty="0" smtClean="0"/>
+              <a:t> for Application Cloning</a:t>
+            </a:r>
+            <a:endParaRPr lang="en-US" dirty="0"/>
+          </a:p>
+        </p:txBody>
+      </p:sp>
+      <p:sp>
+        <p:nvSpPr>
+          <p:cNvPr id="109" name="Text Placeholder 1"/>
+          <p:cNvSpPr>
+            <a:spLocks noGrp="1"/>
+          </p:cNvSpPr>
+          <p:nvPr>
+            <p:ph type="body" sz="quarter" idx="10"/>
+          </p:nvPr>
+        </p:nvSpPr>
+        <p:spPr>
+          <a:xfrm>
+            <a:off x="413004" y="1426514"/>
+            <a:ext cx="11016996" cy="5057795"/>
+          </a:xfrm>
+        </p:spPr>
+        <p:txBody>
+          <a:bodyPr/>
+          <a:lstStyle/>
+          <a:p>
+            <a:r>
+              <a:rPr lang="en-GB" dirty="0" err="1"/>
+              <a:t>load_info</a:t>
+            </a:r>
+            <a:endParaRPr lang="en-GB" dirty="0"/>
+          </a:p>
+          <a:p>
+            <a:endParaRPr lang="en-GB" dirty="0" smtClean="0"/>
+          </a:p>
+          <a:p>
+            <a:endParaRPr lang="en-GB" dirty="0"/>
+          </a:p>
+          <a:p>
+            <a:endParaRPr lang="en-GB" dirty="0" smtClean="0"/>
+          </a:p>
+          <a:p>
+            <a:endParaRPr lang="en-GB" dirty="0"/>
+          </a:p>
+          <a:p>
+            <a:endParaRPr lang="en-GB" dirty="0"/>
+          </a:p>
+          <a:p>
+            <a:pPr marL="628650" lvl="2" indent="0">
+              <a:buNone/>
+            </a:pPr>
+            <a:endParaRPr lang="en-US" sz="1600" dirty="0" smtClean="0"/>
+          </a:p>
+          <a:p>
+            <a:pPr marL="628650" lvl="2" indent="0">
+              <a:buNone/>
+            </a:pPr>
+            <a:endParaRPr lang="en-US" sz="1600" dirty="0" smtClean="0"/>
+          </a:p>
+          <a:p>
+            <a:pPr lvl="2"/>
+            <a:endParaRPr lang="en-US" sz="1600" dirty="0" smtClean="0"/>
+          </a:p>
+          <a:p>
+            <a:pPr lvl="2"/>
+            <a:endParaRPr lang="en-US" sz="1600" dirty="0" smtClean="0"/>
+          </a:p>
+          <a:p>
+            <a:pPr marL="628650" lvl="2" indent="0">
+              <a:buNone/>
+            </a:pPr>
+            <a:endParaRPr lang="en-US" dirty="0" smtClean="0"/>
+          </a:p>
+          <a:p>
+            <a:pPr lvl="2"/>
+            <a:endParaRPr lang="en-US" dirty="0" smtClean="0"/>
+          </a:p>
+          <a:p>
+            <a:pPr lvl="2"/>
+            <a:endParaRPr lang="en-US" dirty="0" smtClean="0"/>
+          </a:p>
+          <a:p>
+            <a:pPr lvl="2"/>
+            <a:endParaRPr lang="en-US" dirty="0"/>
+          </a:p>
+        </p:txBody>
+      </p:sp>
+      <p:pic>
+        <p:nvPicPr>
+          <p:cNvPr id="5" name="Picture 4"/>
+          <p:cNvPicPr>
+            <a:picLocks noChangeAspect="1"/>
+          </p:cNvPicPr>
+          <p:nvPr/>
+        </p:nvPicPr>
+        <p:blipFill>
+          <a:blip r:embed="rId2"/>
+          <a:stretch>
+            <a:fillRect/>
+          </a:stretch>
+        </p:blipFill>
+        <p:spPr>
+          <a:xfrm>
+            <a:off x="2795637" y="1428409"/>
+            <a:ext cx="6251730" cy="5055900"/>
+          </a:xfrm>
+          <a:prstGeom prst="rect">
+            <a:avLst/>
+          </a:prstGeom>
+        </p:spPr>
+      </p:pic>
+    </p:spTree>
+    <p:extLst>
+      <p:ext uri="{BB962C8B-B14F-4D97-AF65-F5344CB8AC3E}">
+        <p14:creationId xmlns:p14="http://schemas.microsoft.com/office/powerpoint/2010/main" val="2463360306"/>
+      </p:ext>
+    </p:extLst>
+  </p:cSld>
+  <p:clrMapOvr>
+    <a:masterClrMapping/>
+  </p:clrMapOvr>
+  <p:transition spd="med">
+    <p:fade/>
+  </p:transition>
+  <p:timing>
+    <p:tnLst>
+      <p:par>
+        <p:cTn id="1" dur="indefinite" restart="never" nodeType="tmRoot"/>
+      </p:par>
+    </p:tnLst>
+  </p:timing>
+</p:sld>
+</file>
+
+<file path=ppt/slides/slide21.xml><?xml version="1.0" encoding="utf-8"?>
+<p:sld xmlns:a="http://schemas.openxmlformats.org/drawingml/2006/main" xmlns:r="http://schemas.openxmlformats.org/officeDocument/2006/relationships" xmlns:p="http://schemas.openxmlformats.org/presentationml/2006/main">
+  <p:cSld>
+    <p:spTree>
+      <p:nvGrpSpPr>
+        <p:cNvPr id="1" name=""/>
+        <p:cNvGrpSpPr/>
+        <p:nvPr/>
+      </p:nvGrpSpPr>
+      <p:grpSpPr>
+        <a:xfrm>
+          <a:off x="0" y="0"/>
+          <a:ext cx="0" cy="0"/>
+          <a:chOff x="0" y="0"/>
+          <a:chExt cx="0" cy="0"/>
+        </a:xfrm>
+      </p:grpSpPr>
+      <p:sp>
+        <p:nvSpPr>
+          <p:cNvPr id="2" name="Text Placeholder 1">
+            <a:extLst>
+              <a:ext uri="{FF2B5EF4-FFF2-40B4-BE49-F238E27FC236}">
+                <a16:creationId xmlns:a16="http://schemas.microsoft.com/office/drawing/2014/main" id="{CC68A6BB-6100-4875-9F0B-561263C294FF}"/>
+              </a:ext>
+            </a:extLst>
+          </p:cNvPr>
+          <p:cNvSpPr>
+            <a:spLocks noGrp="1"/>
+          </p:cNvSpPr>
+          <p:nvPr>
+            <p:ph type="body" sz="quarter" idx="12"/>
+          </p:nvPr>
+        </p:nvSpPr>
+        <p:spPr/>
+        <p:txBody>
+          <a:bodyPr/>
+          <a:lstStyle/>
+          <a:p>
+            <a:r>
+              <a:rPr lang="en-US" dirty="0" smtClean="0"/>
+              <a:t>Obrigado</a:t>
+            </a:r>
+            <a:endParaRPr lang="en-US" dirty="0"/>
+          </a:p>
+        </p:txBody>
+      </p:sp>
+    </p:spTree>
+    <p:extLst>
+      <p:ext uri="{BB962C8B-B14F-4D97-AF65-F5344CB8AC3E}">
+        <p14:creationId xmlns:p14="http://schemas.microsoft.com/office/powerpoint/2010/main" val="1324046772"/>
+      </p:ext>
+    </p:extLst>
+  </p:cSld>
+  <p:clrMapOvr>
+    <a:masterClrMapping/>
+  </p:clrMapOvr>
+  <p:transition spd="med">
+    <p:fade/>
+  </p:transition>
+  <p:timing>
+    <p:tnLst>
+      <p:par>
+        <p:cTn id="1" dur="indefinite" restart="never" nodeType="tmRoot"/>
+      </p:par>
+    </p:tnLst>
+  </p:timing>
+</p:sld>
+</file>
+
+<file path=ppt/slides/slide22.xml><?xml version="1.0" encoding="utf-8"?>
+<p:sld xmlns:a="http://schemas.openxmlformats.org/drawingml/2006/main" xmlns:r="http://schemas.openxmlformats.org/officeDocument/2006/relationships" xmlns:p="http://schemas.openxmlformats.org/presentationml/2006/main">
+  <p:cSld>
+    <p:spTree>
+      <p:nvGrpSpPr>
+        <p:cNvPr id="1" name=""/>
+        <p:cNvGrpSpPr/>
+        <p:nvPr/>
+      </p:nvGrpSpPr>
+      <p:grpSpPr>
+        <a:xfrm>
+          <a:off x="0" y="0"/>
+          <a:ext cx="0" cy="0"/>
+          <a:chOff x="0" y="0"/>
+          <a:chExt cx="0" cy="0"/>
+        </a:xfrm>
+      </p:grpSpPr>
+    </p:spTree>
+    <p:extLst>
+      <p:ext uri="{BB962C8B-B14F-4D97-AF65-F5344CB8AC3E}">
+        <p14:creationId xmlns:p14="http://schemas.microsoft.com/office/powerpoint/2010/main" val="3315097331"/>
+      </p:ext>
+    </p:extLst>
+  </p:cSld>
+  <p:clrMapOvr>
+    <a:masterClrMapping/>
+  </p:clrMapOvr>
+  <mc:AlternateContent xmlns:mc="http://schemas.openxmlformats.org/markup-compatibility/2006" xmlns:p14="http://schemas.microsoft.com/office/powerpoint/2010/main">
+    <mc:Choice Requires="p14">
+      <p:transition spd="med" p14:dur="700">
+        <p:fade/>
+      </p:transition>
+    </mc:Choice>
+    <mc:Fallback xmlns="">
+      <p:transition spd="med">
+        <p:fade/>
+      </p:transition>
+    </mc:Fallback>
+  </mc:AlternateContent>
+  <p:timing>
+    <p:tnLst>
+      <p:par>
+        <p:cTn id="1" dur="indefinite" restart="never" nodeType="tmRoot"/>
+      </p:par>
+    </p:tnLst>
+  </p:timing>
+</p:sld>
+</file>
+
 <file path=ppt/slides/slide3.xml><?xml version="1.0" encoding="utf-8"?>
 <p:sld xmlns:a="http://schemas.openxmlformats.org/drawingml/2006/main" xmlns:r="http://schemas.openxmlformats.org/officeDocument/2006/relationships" xmlns:p="http://schemas.openxmlformats.org/presentationml/2006/main">
   <p:cSld>
@@ -26198,9 +26913,6 @@
                 </a:rPr>
                 <a:t>ITAUM001</a:t>
               </a:r>
-              <a:endParaRPr lang="en-GB" sz="1000" dirty="0" smtClean="0">
-                <a:latin typeface="Consolas" panose="020B0609020204030204" pitchFamily="49" charset="0"/>
-              </a:endParaRPr>
             </a:p>
             <a:p>
               <a:pPr algn="ctr"/>
@@ -26210,9 +26922,6 @@
                 </a:rPr>
                 <a:t>ITAUM002</a:t>
               </a:r>
-              <a:endParaRPr lang="en-GB" sz="1000" dirty="0" smtClean="0">
-                <a:latin typeface="Consolas" panose="020B0609020204030204" pitchFamily="49" charset="0"/>
-              </a:endParaRPr>
             </a:p>
             <a:p>
               <a:pPr algn="ctr"/>
@@ -26225,12 +26934,6 @@
                 </a:rPr>
                 <a:t>ITAU#001</a:t>
               </a:r>
-              <a:endParaRPr lang="en-GB" sz="1000" dirty="0" smtClean="0">
-                <a:solidFill>
-                  <a:srgbClr val="FF0000"/>
-                </a:solidFill>
-                <a:latin typeface="Consolas" panose="020B0609020204030204" pitchFamily="49" charset="0"/>
-              </a:endParaRPr>
             </a:p>
             <a:p>
               <a:pPr algn="ctr"/>
@@ -26243,12 +26946,6 @@
                 </a:rPr>
                 <a:t>ITAU#002</a:t>
               </a:r>
-              <a:endParaRPr lang="en-GB" sz="1000" dirty="0" smtClean="0">
-                <a:solidFill>
-                  <a:srgbClr val="FF0000"/>
-                </a:solidFill>
-                <a:latin typeface="Consolas" panose="020B0609020204030204" pitchFamily="49" charset="0"/>
-              </a:endParaRPr>
             </a:p>
           </p:txBody>
         </p:sp>
@@ -30038,9 +30735,6 @@
               </a:rPr>
               <a:t>ITAUM001</a:t>
             </a:r>
-            <a:endParaRPr lang="en-GB" sz="1000" dirty="0" smtClean="0">
-              <a:latin typeface="Consolas" panose="020B0609020204030204" pitchFamily="49" charset="0"/>
-            </a:endParaRPr>
           </a:p>
         </p:txBody>
       </p:sp>
@@ -30099,12 +30793,6 @@
               </a:rPr>
               <a:t>ITAU1001</a:t>
             </a:r>
-            <a:endParaRPr lang="en-GB" sz="1000" dirty="0" smtClean="0">
-              <a:solidFill>
-                <a:srgbClr val="FF0000"/>
-              </a:solidFill>
-              <a:latin typeface="Consolas" panose="020B0609020204030204" pitchFamily="49" charset="0"/>
-            </a:endParaRPr>
           </a:p>
         </p:txBody>
       </p:sp>
@@ -30163,12 +30851,6 @@
               </a:rPr>
               <a:t>ITAU2001</a:t>
             </a:r>
-            <a:endParaRPr lang="en-GB" sz="1000" dirty="0" smtClean="0">
-              <a:solidFill>
-                <a:srgbClr val="FFFF00"/>
-              </a:solidFill>
-              <a:latin typeface="Consolas" panose="020B0609020204030204" pitchFamily="49" charset="0"/>
-            </a:endParaRPr>
           </a:p>
         </p:txBody>
       </p:sp>

--- a/ITAU.pptx
+++ b/ITAU.pptx
@@ -11,7 +11,7 @@
     <p:handoutMasterId r:id="rId25"/>
   </p:handoutMasterIdLst>
   <p:sldIdLst>
-    <p:sldId id="257" r:id="rId2"/>
+    <p:sldId id="309" r:id="rId2"/>
     <p:sldId id="288" r:id="rId3"/>
     <p:sldId id="289" r:id="rId4"/>
     <p:sldId id="290" r:id="rId5"/>
@@ -30,7 +30,7 @@
     <p:sldId id="304" r:id="rId18"/>
     <p:sldId id="305" r:id="rId19"/>
     <p:sldId id="306" r:id="rId20"/>
-    <p:sldId id="307" r:id="rId21"/>
+    <p:sldId id="310" r:id="rId21"/>
     <p:sldId id="284" r:id="rId22"/>
     <p:sldId id="279" r:id="rId23"/>
   </p:sldIdLst>
@@ -4907,7 +4907,7 @@
           <a:p>
             <a:r>
               <a:rPr lang="en-US" dirty="0" smtClean="0"/>
-              <a:t>ITAÚ Application Cloning Demo</a:t>
+              <a:t>ITAU Application Cloning Demo</a:t>
             </a:r>
             <a:endParaRPr lang="en-US" dirty="0"/>
           </a:p>
@@ -4923,7 +4923,12 @@
             <p:ph type="body" sz="quarter" idx="13"/>
           </p:nvPr>
         </p:nvSpPr>
-        <p:spPr/>
+        <p:spPr>
+          <a:xfrm>
+            <a:off x="339290" y="6124118"/>
+            <a:ext cx="7452360" cy="276999"/>
+          </a:xfrm>
+        </p:spPr>
         <p:txBody>
           <a:bodyPr/>
           <a:lstStyle/>
@@ -4946,23 +4951,86 @@
             <p:ph type="subTitle" idx="1"/>
           </p:nvPr>
         </p:nvSpPr>
-        <p:spPr/>
+        <p:spPr>
+          <a:xfrm>
+            <a:off x="339290" y="5084422"/>
+            <a:ext cx="7452360" cy="861774"/>
+          </a:xfrm>
+        </p:spPr>
         <p:txBody>
           <a:bodyPr/>
           <a:lstStyle/>
           <a:p>
+            <a:pPr>
+              <a:lnSpc>
+                <a:spcPct val="100000"/>
+              </a:lnSpc>
+            </a:pPr>
             <a:r>
               <a:rPr lang="en-US" dirty="0" smtClean="0"/>
-              <a:t>Diego Rodríguez Bravo – EMEA CSC - Madrid</a:t>
+              <a:t>Diego Rodríguez Bravo – EMEA CSC – Madrid</a:t>
+            </a:r>
+          </a:p>
+          <a:p>
+            <a:pPr>
+              <a:lnSpc>
+                <a:spcPct val="100000"/>
+              </a:lnSpc>
+            </a:pPr>
+            <a:endParaRPr lang="en-US" sz="800" dirty="0" smtClean="0"/>
+          </a:p>
+          <a:p>
+            <a:pPr>
+              <a:lnSpc>
+                <a:spcPct val="100000"/>
+              </a:lnSpc>
+            </a:pPr>
+            <a:r>
+              <a:rPr lang="en-US" dirty="0" smtClean="0"/>
+              <a:t>Aldo Cruz / Denis Pereira – São Paulo - </a:t>
+            </a:r>
+            <a:r>
+              <a:rPr lang="en-US" dirty="0" err="1" smtClean="0"/>
+              <a:t>Brasil</a:t>
             </a:r>
             <a:endParaRPr lang="en-US" dirty="0"/>
           </a:p>
         </p:txBody>
       </p:sp>
+      <p:pic>
+        <p:nvPicPr>
+          <p:cNvPr id="5" name="Picture 4"/>
+          <p:cNvPicPr>
+            <a:picLocks noChangeAspect="1"/>
+          </p:cNvPicPr>
+          <p:nvPr/>
+        </p:nvPicPr>
+        <p:blipFill>
+          <a:blip r:embed="rId2">
+            <a:extLst>
+              <a:ext uri="{28A0092B-C50C-407E-A947-70E740481C1C}">
+                <a14:useLocalDpi xmlns:a14="http://schemas.microsoft.com/office/drawing/2010/main" val="0"/>
+              </a:ext>
+            </a:extLst>
+          </a:blip>
+          <a:stretch>
+            <a:fillRect/>
+          </a:stretch>
+        </p:blipFill>
+        <p:spPr>
+          <a:xfrm>
+            <a:off x="9524767" y="3531773"/>
+            <a:ext cx="2326038" cy="1223046"/>
+          </a:xfrm>
+          <a:prstGeom prst="rect">
+            <a:avLst/>
+          </a:prstGeom>
+        </p:spPr>
+      </p:pic>
     </p:spTree>
     <p:extLst>
       <p:ext uri="{BB962C8B-B14F-4D97-AF65-F5344CB8AC3E}">
-        <p14:creationId xmlns:p14="http://schemas.microsoft.com/office/powerpoint/2010/main" val="4266995042"/>
+        <p14:creationId xmlns:p14="http://schemas.microsoft.com/office/powerpoint/2010/main" val="2600441502"/>
       </p:ext>
     </p:extLst>
   </p:cSld>
@@ -5016,7 +5084,15 @@
           <a:p>
             <a:r>
               <a:rPr lang="en-US" dirty="0"/>
-              <a:t>Zowe Featuring ITAÚ Application Cloning</a:t>
+              <a:t>Zowe Featuring </a:t>
+            </a:r>
+            <a:r>
+              <a:rPr lang="en-US" dirty="0" smtClean="0"/>
+              <a:t>ITAU </a:t>
+            </a:r>
+            <a:r>
+              <a:rPr lang="en-US" dirty="0"/>
+              <a:t>Application Cloning</a:t>
             </a:r>
           </a:p>
         </p:txBody>
@@ -5782,7 +5858,15 @@
           <a:p>
             <a:r>
               <a:rPr lang="en-US" dirty="0"/>
-              <a:t>Zowe Featuring ITAÚ Application Cloning</a:t>
+              <a:t>Zowe Featuring </a:t>
+            </a:r>
+            <a:r>
+              <a:rPr lang="en-US" dirty="0" smtClean="0"/>
+              <a:t>ITAU </a:t>
+            </a:r>
+            <a:r>
+              <a:rPr lang="en-US" dirty="0"/>
+              <a:t>Application Cloning</a:t>
             </a:r>
           </a:p>
         </p:txBody>
@@ -6011,8 +6095,21 @@
           <a:p>
             <a:r>
               <a:rPr lang="en-US" dirty="0"/>
-              <a:t>Zowe Featuring ITAÚ Application Cloning</a:t>
-            </a:r>
+              <a:t>Zowe Featuring </a:t>
+            </a:r>
+            <a:r>
+              <a:rPr lang="en-US" dirty="0" smtClean="0"/>
+              <a:t>ITAU </a:t>
+            </a:r>
+            <a:r>
+              <a:rPr lang="en-US" dirty="0"/>
+              <a:t>Application </a:t>
+            </a:r>
+            <a:r>
+              <a:rPr lang="en-US" dirty="0"/>
+              <a:t>Cloning – CA-Brightside</a:t>
+            </a:r>
+            <a:endParaRPr lang="en-US" dirty="0"/>
           </a:p>
         </p:txBody>
       </p:sp>
@@ -6746,6 +6843,293 @@
               <a:t> to manage the process of cloning a Master application</a:t>
             </a:r>
             <a:endParaRPr lang="en-US" dirty="0"/>
+          </a:p>
+        </p:txBody>
+      </p:sp>
+      <p:sp>
+        <p:nvSpPr>
+          <p:cNvPr id="5" name="TextBox 1"/>
+          <p:cNvSpPr txBox="1"/>
+          <p:nvPr/>
+        </p:nvSpPr>
+        <p:spPr>
+          <a:xfrm>
+            <a:off x="10070786" y="2804235"/>
+            <a:ext cx="1550407" cy="907941"/>
+          </a:xfrm>
+          <a:prstGeom prst="rect">
+            <a:avLst/>
+          </a:prstGeom>
+          <a:noFill/>
+        </p:spPr>
+        <p:txBody>
+          <a:bodyPr wrap="square" lIns="0" tIns="0" rIns="0" bIns="0" rtlCol="0" anchor="t">
+            <a:spAutoFit/>
+          </a:bodyPr>
+          <a:lstStyle>
+            <a:defPPr>
+              <a:defRPr lang="en-US"/>
+            </a:defPPr>
+            <a:lvl1pPr marL="0" algn="l" defTabSz="914400" rtl="0" eaLnBrk="1" latinLnBrk="0" hangingPunct="1">
+              <a:defRPr sz="1800" kern="1200">
+                <a:solidFill>
+                  <a:schemeClr val="tx1"/>
+                </a:solidFill>
+                <a:latin typeface="+mn-lt"/>
+                <a:ea typeface="+mn-ea"/>
+                <a:cs typeface="+mn-cs"/>
+              </a:defRPr>
+            </a:lvl1pPr>
+            <a:lvl2pPr marL="457200" algn="l" defTabSz="914400" rtl="0" eaLnBrk="1" latinLnBrk="0" hangingPunct="1">
+              <a:defRPr sz="1800" kern="1200">
+                <a:solidFill>
+                  <a:schemeClr val="tx1"/>
+                </a:solidFill>
+                <a:latin typeface="+mn-lt"/>
+                <a:ea typeface="+mn-ea"/>
+                <a:cs typeface="+mn-cs"/>
+              </a:defRPr>
+            </a:lvl2pPr>
+            <a:lvl3pPr marL="914400" algn="l" defTabSz="914400" rtl="0" eaLnBrk="1" latinLnBrk="0" hangingPunct="1">
+              <a:defRPr sz="1800" kern="1200">
+                <a:solidFill>
+                  <a:schemeClr val="tx1"/>
+                </a:solidFill>
+                <a:latin typeface="+mn-lt"/>
+                <a:ea typeface="+mn-ea"/>
+                <a:cs typeface="+mn-cs"/>
+              </a:defRPr>
+            </a:lvl3pPr>
+            <a:lvl4pPr marL="1371600" algn="l" defTabSz="914400" rtl="0" eaLnBrk="1" latinLnBrk="0" hangingPunct="1">
+              <a:defRPr sz="1800" kern="1200">
+                <a:solidFill>
+                  <a:schemeClr val="tx1"/>
+                </a:solidFill>
+                <a:latin typeface="+mn-lt"/>
+                <a:ea typeface="+mn-ea"/>
+                <a:cs typeface="+mn-cs"/>
+              </a:defRPr>
+            </a:lvl4pPr>
+            <a:lvl5pPr marL="1828800" algn="l" defTabSz="914400" rtl="0" eaLnBrk="1" latinLnBrk="0" hangingPunct="1">
+              <a:defRPr sz="1800" kern="1200">
+                <a:solidFill>
+                  <a:schemeClr val="tx1"/>
+                </a:solidFill>
+                <a:latin typeface="+mn-lt"/>
+                <a:ea typeface="+mn-ea"/>
+                <a:cs typeface="+mn-cs"/>
+              </a:defRPr>
+            </a:lvl5pPr>
+            <a:lvl6pPr marL="2286000" algn="l" defTabSz="914400" rtl="0" eaLnBrk="1" latinLnBrk="0" hangingPunct="1">
+              <a:defRPr sz="1800" kern="1200">
+                <a:solidFill>
+                  <a:schemeClr val="tx1"/>
+                </a:solidFill>
+                <a:latin typeface="+mn-lt"/>
+                <a:ea typeface="+mn-ea"/>
+                <a:cs typeface="+mn-cs"/>
+              </a:defRPr>
+            </a:lvl6pPr>
+            <a:lvl7pPr marL="2743200" algn="l" defTabSz="914400" rtl="0" eaLnBrk="1" latinLnBrk="0" hangingPunct="1">
+              <a:defRPr sz="1800" kern="1200">
+                <a:solidFill>
+                  <a:schemeClr val="tx1"/>
+                </a:solidFill>
+                <a:latin typeface="+mn-lt"/>
+                <a:ea typeface="+mn-ea"/>
+                <a:cs typeface="+mn-cs"/>
+              </a:defRPr>
+            </a:lvl7pPr>
+            <a:lvl8pPr marL="3200400" algn="l" defTabSz="914400" rtl="0" eaLnBrk="1" latinLnBrk="0" hangingPunct="1">
+              <a:defRPr sz="1800" kern="1200">
+                <a:solidFill>
+                  <a:schemeClr val="tx1"/>
+                </a:solidFill>
+                <a:latin typeface="+mn-lt"/>
+                <a:ea typeface="+mn-ea"/>
+                <a:cs typeface="+mn-cs"/>
+              </a:defRPr>
+            </a:lvl8pPr>
+            <a:lvl9pPr marL="3657600" algn="l" defTabSz="914400" rtl="0" eaLnBrk="1" latinLnBrk="0" hangingPunct="1">
+              <a:defRPr sz="1800" kern="1200">
+                <a:solidFill>
+                  <a:schemeClr val="tx1"/>
+                </a:solidFill>
+                <a:latin typeface="+mn-lt"/>
+                <a:ea typeface="+mn-ea"/>
+                <a:cs typeface="+mn-cs"/>
+              </a:defRPr>
+            </a:lvl9pPr>
+          </a:lstStyle>
+          <a:p>
+            <a:pPr>
+              <a:lnSpc>
+                <a:spcPct val="90000"/>
+              </a:lnSpc>
+              <a:spcBef>
+                <a:spcPts val="600"/>
+              </a:spcBef>
+            </a:pPr>
+            <a:r>
+              <a:rPr lang="en-US" sz="2000" dirty="0" smtClean="0"/>
+              <a:t>RACF manages</a:t>
+            </a:r>
+          </a:p>
+          <a:p>
+            <a:pPr>
+              <a:lnSpc>
+                <a:spcPct val="90000"/>
+              </a:lnSpc>
+              <a:spcBef>
+                <a:spcPts val="600"/>
+              </a:spcBef>
+            </a:pPr>
+            <a:r>
+              <a:rPr lang="en-US" sz="2000" dirty="0" smtClean="0"/>
+              <a:t>all actions!</a:t>
+            </a:r>
+          </a:p>
+        </p:txBody>
+      </p:sp>
+      <p:sp>
+        <p:nvSpPr>
+          <p:cNvPr id="7" name="Rounded Rectangle 6"/>
+          <p:cNvSpPr/>
+          <p:nvPr/>
+        </p:nvSpPr>
+        <p:spPr>
+          <a:xfrm>
+            <a:off x="9518074" y="2597291"/>
+            <a:ext cx="2420014" cy="1475945"/>
+          </a:xfrm>
+          <a:prstGeom prst="roundRect">
+            <a:avLst/>
+          </a:prstGeom>
+          <a:noFill/>
+          <a:ln w="41275" cap="rnd">
+            <a:solidFill>
+              <a:schemeClr val="tx2"/>
+            </a:solidFill>
+            <a:prstDash val="solid"/>
+            <a:tailEnd type="oval"/>
+          </a:ln>
+        </p:spPr>
+        <p:style>
+          <a:lnRef idx="2">
+            <a:schemeClr val="accent1">
+              <a:shade val="50000"/>
+            </a:schemeClr>
+          </a:lnRef>
+          <a:fillRef idx="1">
+            <a:schemeClr val="accent1"/>
+          </a:fillRef>
+          <a:effectRef idx="0">
+            <a:schemeClr val="accent1"/>
+          </a:effectRef>
+          <a:fontRef idx="minor">
+            <a:schemeClr val="lt1"/>
+          </a:fontRef>
+        </p:style>
+        <p:txBody>
+          <a:bodyPr rtlCol="0" anchor="ctr"/>
+          <a:lstStyle>
+            <a:defPPr>
+              <a:defRPr lang="en-US"/>
+            </a:defPPr>
+            <a:lvl1pPr marL="0" algn="l" defTabSz="914400" rtl="0" eaLnBrk="1" latinLnBrk="0" hangingPunct="1">
+              <a:defRPr sz="1800" kern="1200">
+                <a:solidFill>
+                  <a:schemeClr val="lt1"/>
+                </a:solidFill>
+                <a:latin typeface="+mn-lt"/>
+                <a:ea typeface="+mn-ea"/>
+                <a:cs typeface="+mn-cs"/>
+              </a:defRPr>
+            </a:lvl1pPr>
+            <a:lvl2pPr marL="457200" algn="l" defTabSz="914400" rtl="0" eaLnBrk="1" latinLnBrk="0" hangingPunct="1">
+              <a:defRPr sz="1800" kern="1200">
+                <a:solidFill>
+                  <a:schemeClr val="lt1"/>
+                </a:solidFill>
+                <a:latin typeface="+mn-lt"/>
+                <a:ea typeface="+mn-ea"/>
+                <a:cs typeface="+mn-cs"/>
+              </a:defRPr>
+            </a:lvl2pPr>
+            <a:lvl3pPr marL="914400" algn="l" defTabSz="914400" rtl="0" eaLnBrk="1" latinLnBrk="0" hangingPunct="1">
+              <a:defRPr sz="1800" kern="1200">
+                <a:solidFill>
+                  <a:schemeClr val="lt1"/>
+                </a:solidFill>
+                <a:latin typeface="+mn-lt"/>
+                <a:ea typeface="+mn-ea"/>
+                <a:cs typeface="+mn-cs"/>
+              </a:defRPr>
+            </a:lvl3pPr>
+            <a:lvl4pPr marL="1371600" algn="l" defTabSz="914400" rtl="0" eaLnBrk="1" latinLnBrk="0" hangingPunct="1">
+              <a:defRPr sz="1800" kern="1200">
+                <a:solidFill>
+                  <a:schemeClr val="lt1"/>
+                </a:solidFill>
+                <a:latin typeface="+mn-lt"/>
+                <a:ea typeface="+mn-ea"/>
+                <a:cs typeface="+mn-cs"/>
+              </a:defRPr>
+            </a:lvl4pPr>
+            <a:lvl5pPr marL="1828800" algn="l" defTabSz="914400" rtl="0" eaLnBrk="1" latinLnBrk="0" hangingPunct="1">
+              <a:defRPr sz="1800" kern="1200">
+                <a:solidFill>
+                  <a:schemeClr val="lt1"/>
+                </a:solidFill>
+                <a:latin typeface="+mn-lt"/>
+                <a:ea typeface="+mn-ea"/>
+                <a:cs typeface="+mn-cs"/>
+              </a:defRPr>
+            </a:lvl5pPr>
+            <a:lvl6pPr marL="2286000" algn="l" defTabSz="914400" rtl="0" eaLnBrk="1" latinLnBrk="0" hangingPunct="1">
+              <a:defRPr sz="1800" kern="1200">
+                <a:solidFill>
+                  <a:schemeClr val="lt1"/>
+                </a:solidFill>
+                <a:latin typeface="+mn-lt"/>
+                <a:ea typeface="+mn-ea"/>
+                <a:cs typeface="+mn-cs"/>
+              </a:defRPr>
+            </a:lvl6pPr>
+            <a:lvl7pPr marL="2743200" algn="l" defTabSz="914400" rtl="0" eaLnBrk="1" latinLnBrk="0" hangingPunct="1">
+              <a:defRPr sz="1800" kern="1200">
+                <a:solidFill>
+                  <a:schemeClr val="lt1"/>
+                </a:solidFill>
+                <a:latin typeface="+mn-lt"/>
+                <a:ea typeface="+mn-ea"/>
+                <a:cs typeface="+mn-cs"/>
+              </a:defRPr>
+            </a:lvl7pPr>
+            <a:lvl8pPr marL="3200400" algn="l" defTabSz="914400" rtl="0" eaLnBrk="1" latinLnBrk="0" hangingPunct="1">
+              <a:defRPr sz="1800" kern="1200">
+                <a:solidFill>
+                  <a:schemeClr val="lt1"/>
+                </a:solidFill>
+                <a:latin typeface="+mn-lt"/>
+                <a:ea typeface="+mn-ea"/>
+                <a:cs typeface="+mn-cs"/>
+              </a:defRPr>
+            </a:lvl8pPr>
+            <a:lvl9pPr marL="3657600" algn="l" defTabSz="914400" rtl="0" eaLnBrk="1" latinLnBrk="0" hangingPunct="1">
+              <a:defRPr sz="1800" kern="1200">
+                <a:solidFill>
+                  <a:schemeClr val="lt1"/>
+                </a:solidFill>
+                <a:latin typeface="+mn-lt"/>
+                <a:ea typeface="+mn-ea"/>
+                <a:cs typeface="+mn-cs"/>
+              </a:defRPr>
+            </a:lvl9pPr>
+          </a:lstStyle>
+          <a:p>
+            <a:pPr algn="ctr"/>
+            <a:endParaRPr lang="en-US"/>
           </a:p>
         </p:txBody>
       </p:sp>
@@ -7209,7 +7593,15 @@
           <a:p>
             <a:r>
               <a:rPr lang="en-US" dirty="0"/>
-              <a:t>Zowe Featuring ITAÚ Application Cloning</a:t>
+              <a:t>Zowe Featuring </a:t>
+            </a:r>
+            <a:r>
+              <a:rPr lang="en-US" dirty="0" smtClean="0"/>
+              <a:t>ITAU </a:t>
+            </a:r>
+            <a:r>
+              <a:rPr lang="en-US" dirty="0"/>
+              <a:t>Application Cloning</a:t>
             </a:r>
           </a:p>
         </p:txBody>
@@ -9722,7 +10114,15 @@
           <a:p>
             <a:r>
               <a:rPr lang="en-US" dirty="0"/>
-              <a:t>Zowe Featuring ITAÚ Application Cloning</a:t>
+              <a:t>Zowe Featuring </a:t>
+            </a:r>
+            <a:r>
+              <a:rPr lang="en-US" dirty="0" smtClean="0"/>
+              <a:t>ITAU </a:t>
+            </a:r>
+            <a:r>
+              <a:rPr lang="en-US" dirty="0"/>
+              <a:t>Application Cloning</a:t>
             </a:r>
           </a:p>
         </p:txBody>
@@ -10007,7 +10407,15 @@
           <a:p>
             <a:r>
               <a:rPr lang="en-US" dirty="0"/>
-              <a:t>Zowe Featuring ITAÚ Application Cloning</a:t>
+              <a:t>Zowe Featuring </a:t>
+            </a:r>
+            <a:r>
+              <a:rPr lang="en-US" dirty="0" smtClean="0"/>
+              <a:t>ITAU </a:t>
+            </a:r>
+            <a:r>
+              <a:rPr lang="en-US" dirty="0"/>
+              <a:t>Application Cloning</a:t>
             </a:r>
           </a:p>
         </p:txBody>
@@ -10323,7 +10731,15 @@
           <a:p>
             <a:r>
               <a:rPr lang="en-US" dirty="0"/>
-              <a:t>Zowe Featuring ITAÚ Application Cloning</a:t>
+              <a:t>Zowe Featuring </a:t>
+            </a:r>
+            <a:r>
+              <a:rPr lang="en-US" dirty="0" smtClean="0"/>
+              <a:t>ITAU </a:t>
+            </a:r>
+            <a:r>
+              <a:rPr lang="en-US" dirty="0"/>
+              <a:t>Application Cloning</a:t>
             </a:r>
           </a:p>
         </p:txBody>
@@ -10594,7 +11010,15 @@
           <a:p>
             <a:r>
               <a:rPr lang="en-US" dirty="0"/>
-              <a:t>Zowe Featuring ITAÚ Application Cloning</a:t>
+              <a:t>Zowe Featuring </a:t>
+            </a:r>
+            <a:r>
+              <a:rPr lang="en-US" dirty="0" smtClean="0"/>
+              <a:t>ITAU </a:t>
+            </a:r>
+            <a:r>
+              <a:rPr lang="en-US" dirty="0"/>
+              <a:t>Application Cloning</a:t>
             </a:r>
           </a:p>
         </p:txBody>
@@ -10648,7 +11072,7 @@
         <p:spPr>
           <a:xfrm>
             <a:off x="413004" y="1426514"/>
-            <a:ext cx="11016996" cy="4844403"/>
+            <a:ext cx="11016996" cy="7763151"/>
           </a:xfrm>
         </p:spPr>
         <p:txBody>
@@ -10662,24 +11086,6 @@
             <a:endParaRPr lang="en-GB" dirty="0" smtClean="0"/>
           </a:p>
           <a:p>
-            <a:endParaRPr lang="en-GB" dirty="0"/>
-          </a:p>
-          <a:p>
-            <a:endParaRPr lang="en-GB" dirty="0" smtClean="0"/>
-          </a:p>
-          <a:p>
-            <a:endParaRPr lang="en-GB" dirty="0"/>
-          </a:p>
-          <a:p>
-            <a:endParaRPr lang="en-GB" dirty="0"/>
-          </a:p>
-          <a:p>
-            <a:pPr marL="628650" lvl="2" indent="0">
-              <a:buNone/>
-            </a:pPr>
-            <a:endParaRPr lang="en-US" sz="1600" dirty="0" smtClean="0"/>
-          </a:p>
-          <a:p>
             <a:pPr lvl="2"/>
             <a:r>
               <a:rPr lang="en-US" sz="1600" dirty="0" smtClean="0"/>
@@ -10705,7 +11111,361 @@
               <a:rPr lang="en-US" sz="1600" dirty="0" smtClean="0"/>
               <a:t> file </a:t>
             </a:r>
-            <a:endParaRPr lang="en-US" sz="1600" dirty="0" smtClean="0"/>
+          </a:p>
+          <a:p>
+            <a:pPr lvl="2"/>
+            <a:r>
+              <a:rPr lang="en-GB" b="1" dirty="0" err="1" smtClean="0">
+                <a:solidFill>
+                  <a:srgbClr val="00B0F0"/>
+                </a:solidFill>
+                <a:latin typeface="Consolas" panose="020B0609020204030204" pitchFamily="49" charset="0"/>
+              </a:rPr>
+              <a:t>zowe</a:t>
+            </a:r>
+            <a:r>
+              <a:rPr lang="en-GB" b="1" dirty="0">
+                <a:solidFill>
+                  <a:srgbClr val="00B0F0"/>
+                </a:solidFill>
+                <a:latin typeface="Consolas" panose="020B0609020204030204" pitchFamily="49" charset="0"/>
+              </a:rPr>
+              <a:t> zos-files list data-set "</a:t>
+            </a:r>
+            <a:r>
+              <a:rPr lang="en-GB" b="1" dirty="0" err="1">
+                <a:solidFill>
+                  <a:srgbClr val="00B0F0"/>
+                </a:solidFill>
+                <a:latin typeface="Consolas" panose="020B0609020204030204" pitchFamily="49" charset="0"/>
+              </a:rPr>
+              <a:t>itaum</a:t>
+            </a:r>
+            <a:r>
+              <a:rPr lang="en-GB" b="1" dirty="0">
+                <a:solidFill>
+                  <a:srgbClr val="00B0F0"/>
+                </a:solidFill>
+                <a:latin typeface="Consolas" panose="020B0609020204030204" pitchFamily="49" charset="0"/>
+              </a:rPr>
+              <a:t>*" -a --</a:t>
+            </a:r>
+            <a:r>
+              <a:rPr lang="en-GB" b="1" dirty="0" err="1">
+                <a:solidFill>
+                  <a:srgbClr val="00B0F0"/>
+                </a:solidFill>
+                <a:latin typeface="Consolas" panose="020B0609020204030204" pitchFamily="49" charset="0"/>
+              </a:rPr>
+              <a:t>rfj</a:t>
+            </a:r>
+            <a:r>
+              <a:rPr lang="en-GB" b="1" dirty="0">
+                <a:solidFill>
+                  <a:srgbClr val="00B0F0"/>
+                </a:solidFill>
+                <a:latin typeface="Consolas" panose="020B0609020204030204" pitchFamily="49" charset="0"/>
+              </a:rPr>
+              <a:t> &gt; </a:t>
+            </a:r>
+            <a:r>
+              <a:rPr lang="en-GB" b="1" dirty="0" err="1">
+                <a:solidFill>
+                  <a:srgbClr val="00B0F0"/>
+                </a:solidFill>
+                <a:latin typeface="Consolas" panose="020B0609020204030204" pitchFamily="49" charset="0"/>
+              </a:rPr>
+              <a:t>libraries.json</a:t>
+            </a:r>
+            <a:endParaRPr lang="en-GB" b="1" dirty="0">
+              <a:solidFill>
+                <a:srgbClr val="00B0F0"/>
+              </a:solidFill>
+              <a:latin typeface="Consolas" panose="020B0609020204030204" pitchFamily="49" charset="0"/>
+            </a:endParaRPr>
+          </a:p>
+          <a:p>
+            <a:r>
+              <a:rPr lang="en-GB" dirty="0" err="1"/>
+              <a:t>load_info</a:t>
+            </a:r>
+            <a:r>
+              <a:rPr lang="en-GB" dirty="0"/>
+              <a:t>: Load .</a:t>
+            </a:r>
+            <a:r>
+              <a:rPr lang="en-GB" dirty="0" err="1"/>
+              <a:t>json</a:t>
+            </a:r>
+            <a:r>
+              <a:rPr lang="en-GB" dirty="0"/>
+              <a:t> File into </a:t>
+            </a:r>
+            <a:r>
+              <a:rPr lang="en-GB" dirty="0" err="1"/>
+              <a:t>M.D.Array</a:t>
+            </a:r>
+            <a:endParaRPr lang="en-GB" dirty="0"/>
+          </a:p>
+          <a:p>
+            <a:r>
+              <a:rPr lang="en-GB" dirty="0" err="1" smtClean="0"/>
+              <a:t>allocate_files</a:t>
+            </a:r>
+            <a:endParaRPr lang="en-GB" dirty="0"/>
+          </a:p>
+          <a:p>
+            <a:pPr lvl="1"/>
+            <a:r>
+              <a:rPr lang="en-GB" sz="1800" b="1" dirty="0" err="1">
+                <a:solidFill>
+                  <a:srgbClr val="00B0F0"/>
+                </a:solidFill>
+                <a:latin typeface="Consolas" panose="020B0609020204030204" pitchFamily="49" charset="0"/>
+              </a:rPr>
+              <a:t>zowe</a:t>
+            </a:r>
+            <a:r>
+              <a:rPr lang="en-GB" sz="1800" b="1" dirty="0">
+                <a:solidFill>
+                  <a:srgbClr val="00B0F0"/>
+                </a:solidFill>
+                <a:latin typeface="Consolas" panose="020B0609020204030204" pitchFamily="49" charset="0"/>
+              </a:rPr>
+              <a:t> zos-files create data-set-binary</a:t>
+            </a:r>
+          </a:p>
+          <a:p>
+            <a:pPr lvl="1"/>
+            <a:r>
+              <a:rPr lang="en-GB" sz="1800" b="1" dirty="0" err="1">
+                <a:solidFill>
+                  <a:srgbClr val="00B0F0"/>
+                </a:solidFill>
+                <a:latin typeface="Consolas" panose="020B0609020204030204" pitchFamily="49" charset="0"/>
+              </a:rPr>
+              <a:t>zowe</a:t>
+            </a:r>
+            <a:r>
+              <a:rPr lang="en-GB" sz="1800" b="1" dirty="0">
+                <a:solidFill>
+                  <a:srgbClr val="00B0F0"/>
+                </a:solidFill>
+                <a:latin typeface="Consolas" panose="020B0609020204030204" pitchFamily="49" charset="0"/>
+              </a:rPr>
+              <a:t> zos-files create data-set-classic</a:t>
+            </a:r>
+          </a:p>
+          <a:p>
+            <a:pPr lvl="1"/>
+            <a:r>
+              <a:rPr lang="en-GB" sz="1800" b="1" dirty="0" err="1">
+                <a:solidFill>
+                  <a:srgbClr val="00B0F0"/>
+                </a:solidFill>
+                <a:latin typeface="Consolas" panose="020B0609020204030204" pitchFamily="49" charset="0"/>
+              </a:rPr>
+              <a:t>zowe</a:t>
+            </a:r>
+            <a:r>
+              <a:rPr lang="en-GB" sz="1800" b="1" dirty="0">
+                <a:solidFill>
+                  <a:srgbClr val="00B0F0"/>
+                </a:solidFill>
+                <a:latin typeface="Consolas" panose="020B0609020204030204" pitchFamily="49" charset="0"/>
+              </a:rPr>
+              <a:t> zos-files create data-set-sequential</a:t>
+            </a:r>
+          </a:p>
+          <a:p>
+            <a:pPr lvl="1"/>
+            <a:r>
+              <a:rPr lang="en-GB" dirty="0"/>
+              <a:t>For VSAM Files I execute a </a:t>
+            </a:r>
+            <a:r>
+              <a:rPr lang="en-GB" dirty="0" err="1"/>
+              <a:t>rexx</a:t>
+            </a:r>
+            <a:r>
+              <a:rPr lang="en-GB" dirty="0"/>
+              <a:t> utility to generate IDCAMS </a:t>
+            </a:r>
+            <a:r>
+              <a:rPr lang="en-GB" dirty="0" err="1"/>
+              <a:t>Sysin</a:t>
+            </a:r>
+            <a:r>
+              <a:rPr lang="en-GB" dirty="0"/>
+              <a:t>:</a:t>
+            </a:r>
+          </a:p>
+          <a:p>
+            <a:pPr lvl="2"/>
+            <a:r>
+              <a:rPr lang="en-GB" b="1" dirty="0" err="1">
+                <a:solidFill>
+                  <a:srgbClr val="00B0F0"/>
+                </a:solidFill>
+                <a:latin typeface="Consolas" panose="020B0609020204030204" pitchFamily="49" charset="0"/>
+              </a:rPr>
+              <a:t>zowe</a:t>
+            </a:r>
+            <a:r>
+              <a:rPr lang="en-GB" b="1" dirty="0">
+                <a:solidFill>
+                  <a:srgbClr val="00B0F0"/>
+                </a:solidFill>
+                <a:latin typeface="Consolas" panose="020B0609020204030204" pitchFamily="49" charset="0"/>
+              </a:rPr>
+              <a:t> </a:t>
+            </a:r>
+            <a:r>
+              <a:rPr lang="en-GB" b="1" dirty="0" err="1">
+                <a:solidFill>
+                  <a:srgbClr val="00B0F0"/>
+                </a:solidFill>
+                <a:latin typeface="Consolas" panose="020B0609020204030204" pitchFamily="49" charset="0"/>
+              </a:rPr>
+              <a:t>tso</a:t>
+            </a:r>
+            <a:r>
+              <a:rPr lang="en-GB" b="1" dirty="0">
+                <a:solidFill>
+                  <a:srgbClr val="00B0F0"/>
+                </a:solidFill>
+                <a:latin typeface="Consolas" panose="020B0609020204030204" pitchFamily="49" charset="0"/>
+              </a:rPr>
+              <a:t> issue command --</a:t>
+            </a:r>
+            <a:r>
+              <a:rPr lang="en-GB" b="1" dirty="0" err="1">
+                <a:solidFill>
+                  <a:srgbClr val="00B0F0"/>
+                </a:solidFill>
+                <a:latin typeface="Consolas" panose="020B0609020204030204" pitchFamily="49" charset="0"/>
+              </a:rPr>
+              <a:t>ssm</a:t>
+            </a:r>
+            <a:r>
+              <a:rPr lang="en-GB" b="1" dirty="0">
+                <a:solidFill>
+                  <a:srgbClr val="00B0F0"/>
+                </a:solidFill>
+                <a:latin typeface="Consolas" panose="020B0609020204030204" pitchFamily="49" charset="0"/>
+              </a:rPr>
+              <a:t> “Ex …”</a:t>
+            </a:r>
+          </a:p>
+          <a:p>
+            <a:pPr lvl="2"/>
+            <a:r>
+              <a:rPr lang="en-GB" b="1" dirty="0" err="1">
+                <a:solidFill>
+                  <a:srgbClr val="00B0F0"/>
+                </a:solidFill>
+                <a:latin typeface="Consolas" panose="020B0609020204030204" pitchFamily="49" charset="0"/>
+              </a:rPr>
+              <a:t>zowe</a:t>
+            </a:r>
+            <a:r>
+              <a:rPr lang="en-GB" b="1" dirty="0">
+                <a:solidFill>
+                  <a:srgbClr val="00B0F0"/>
+                </a:solidFill>
+                <a:latin typeface="Consolas" panose="020B0609020204030204" pitchFamily="49" charset="0"/>
+              </a:rPr>
+              <a:t> zos-jobs submit local-file </a:t>
+            </a:r>
+            <a:r>
+              <a:rPr lang="en-GB" b="1" dirty="0" err="1">
+                <a:solidFill>
+                  <a:srgbClr val="00B0F0"/>
+                </a:solidFill>
+                <a:latin typeface="Consolas" panose="020B0609020204030204" pitchFamily="49" charset="0"/>
+              </a:rPr>
+              <a:t>temp.jcl</a:t>
+            </a:r>
+            <a:r>
+              <a:rPr lang="en-GB" b="1" dirty="0">
+                <a:solidFill>
+                  <a:srgbClr val="00B0F0"/>
+                </a:solidFill>
+                <a:latin typeface="Consolas" panose="020B0609020204030204" pitchFamily="49" charset="0"/>
+              </a:rPr>
+              <a:t> --</a:t>
+            </a:r>
+            <a:r>
+              <a:rPr lang="en-GB" b="1" dirty="0" err="1" smtClean="0">
+                <a:solidFill>
+                  <a:srgbClr val="00B0F0"/>
+                </a:solidFill>
+                <a:latin typeface="Consolas" panose="020B0609020204030204" pitchFamily="49" charset="0"/>
+              </a:rPr>
+              <a:t>vasc</a:t>
+            </a:r>
+            <a:endParaRPr lang="en-GB" b="1" dirty="0" smtClean="0">
+              <a:solidFill>
+                <a:srgbClr val="00B0F0"/>
+              </a:solidFill>
+              <a:latin typeface="Consolas" panose="020B0609020204030204" pitchFamily="49" charset="0"/>
+            </a:endParaRPr>
+          </a:p>
+          <a:p>
+            <a:r>
+              <a:rPr lang="en-GB" dirty="0" err="1" smtClean="0"/>
+              <a:t>load_files</a:t>
+            </a:r>
+            <a:endParaRPr lang="en-GB" dirty="0" smtClean="0"/>
+          </a:p>
+          <a:p>
+            <a:pPr lvl="2"/>
+            <a:r>
+              <a:rPr lang="en-GB" b="1" dirty="0" err="1">
+                <a:solidFill>
+                  <a:srgbClr val="00B0F0"/>
+                </a:solidFill>
+                <a:latin typeface="Consolas" panose="020B0609020204030204" pitchFamily="49" charset="0"/>
+              </a:rPr>
+              <a:t>zowe</a:t>
+            </a:r>
+            <a:r>
+              <a:rPr lang="en-GB" b="1" dirty="0">
+                <a:solidFill>
+                  <a:srgbClr val="00B0F0"/>
+                </a:solidFill>
+                <a:latin typeface="Consolas" panose="020B0609020204030204" pitchFamily="49" charset="0"/>
+              </a:rPr>
+              <a:t> zos-files copy data-set</a:t>
+            </a:r>
+          </a:p>
+          <a:p>
+            <a:pPr lvl="2"/>
+            <a:r>
+              <a:rPr lang="en-GB" b="1" dirty="0" err="1">
+                <a:solidFill>
+                  <a:srgbClr val="00B0F0"/>
+                </a:solidFill>
+                <a:latin typeface="Consolas" panose="020B0609020204030204" pitchFamily="49" charset="0"/>
+              </a:rPr>
+              <a:t>zowe</a:t>
+            </a:r>
+            <a:r>
+              <a:rPr lang="en-GB" b="1" dirty="0">
+                <a:solidFill>
+                  <a:srgbClr val="00B0F0"/>
+                </a:solidFill>
+                <a:latin typeface="Consolas" panose="020B0609020204030204" pitchFamily="49" charset="0"/>
+              </a:rPr>
+              <a:t> zos-files list all-members</a:t>
+            </a:r>
+          </a:p>
+          <a:p>
+            <a:pPr lvl="2"/>
+            <a:endParaRPr lang="en-GB" dirty="0"/>
+          </a:p>
+          <a:p>
+            <a:endParaRPr lang="en-US" sz="2200" dirty="0" smtClean="0"/>
           </a:p>
           <a:p>
             <a:pPr lvl="2"/>
@@ -10739,54 +11499,6 @@
           </a:p>
         </p:txBody>
       </p:sp>
-      <p:pic>
-        <p:nvPicPr>
-          <p:cNvPr id="2" name="Picture 1"/>
-          <p:cNvPicPr>
-            <a:picLocks noChangeAspect="1"/>
-          </p:cNvPicPr>
-          <p:nvPr/>
-        </p:nvPicPr>
-        <p:blipFill>
-          <a:blip r:embed="rId2"/>
-          <a:stretch>
-            <a:fillRect/>
-          </a:stretch>
-        </p:blipFill>
-        <p:spPr>
-          <a:xfrm>
-            <a:off x="747075" y="2009576"/>
-            <a:ext cx="5410955" cy="1419423"/>
-          </a:xfrm>
-          <a:prstGeom prst="rect">
-            <a:avLst/>
-          </a:prstGeom>
-        </p:spPr>
-      </p:pic>
-      <p:pic>
-        <p:nvPicPr>
-          <p:cNvPr id="6" name="Picture 5"/>
-          <p:cNvPicPr>
-            <a:picLocks noChangeAspect="1"/>
-          </p:cNvPicPr>
-          <p:nvPr/>
-        </p:nvPicPr>
-        <p:blipFill>
-          <a:blip r:embed="rId3"/>
-          <a:stretch>
-            <a:fillRect/>
-          </a:stretch>
-        </p:blipFill>
-        <p:spPr>
-          <a:xfrm>
-            <a:off x="7307907" y="1471896"/>
-            <a:ext cx="2972215" cy="4753638"/>
-          </a:xfrm>
-          <a:prstGeom prst="rect">
-            <a:avLst/>
-          </a:prstGeom>
-        </p:spPr>
-      </p:pic>
     </p:spTree>
     <p:extLst>
       <p:ext uri="{BB962C8B-B14F-4D97-AF65-F5344CB8AC3E}">
@@ -10844,7 +11556,15 @@
           <a:p>
             <a:r>
               <a:rPr lang="en-US" dirty="0"/>
-              <a:t>Zowe Featuring ITAÚ Application Cloning</a:t>
+              <a:t>Zowe Featuring </a:t>
+            </a:r>
+            <a:r>
+              <a:rPr lang="en-US" dirty="0" smtClean="0"/>
+              <a:t>ITAU </a:t>
+            </a:r>
+            <a:r>
+              <a:rPr lang="en-US" dirty="0"/>
+              <a:t>Application Cloning</a:t>
             </a:r>
           </a:p>
         </p:txBody>
@@ -14262,44 +14982,16 @@
           <a:p>
             <a:r>
               <a:rPr lang="en-US" dirty="0"/>
-              <a:t>Zowe Featuring ITAÚ Application Cloning</a:t>
-            </a:r>
-          </a:p>
-        </p:txBody>
-      </p:sp>
-      <p:sp>
-        <p:nvSpPr>
-          <p:cNvPr id="4" name="Text Placeholder 3"/>
-          <p:cNvSpPr>
-            <a:spLocks noGrp="1"/>
-          </p:cNvSpPr>
-          <p:nvPr>
-            <p:ph type="body" sz="quarter" idx="12"/>
-          </p:nvPr>
-        </p:nvSpPr>
-        <p:spPr>
-          <a:xfrm>
-            <a:off x="413004" y="1005840"/>
-            <a:ext cx="11365992" cy="332399"/>
-          </a:xfrm>
-        </p:spPr>
-        <p:txBody>
-          <a:bodyPr/>
-          <a:lstStyle/>
-          <a:p>
+              <a:t>Zowe Featuring </a:t>
+            </a:r>
             <a:r>
               <a:rPr lang="en-US" dirty="0" smtClean="0"/>
-              <a:t>ooRexx Featuring </a:t>
-            </a:r>
-            <a:r>
-              <a:rPr lang="en-US" dirty="0" err="1" smtClean="0"/>
-              <a:t>zowe</a:t>
-            </a:r>
-            <a:r>
-              <a:rPr lang="en-US" dirty="0" smtClean="0"/>
-              <a:t> for Application Cloning</a:t>
-            </a:r>
-            <a:endParaRPr lang="en-US" dirty="0"/>
+              <a:t>ITAU </a:t>
+            </a:r>
+            <a:r>
+              <a:rPr lang="en-US" dirty="0"/>
+              <a:t>Application Cloning</a:t>
+            </a:r>
           </a:p>
         </p:txBody>
       </p:sp>
@@ -14316,7 +15008,7 @@
         <p:spPr>
           <a:xfrm>
             <a:off x="413004" y="1426514"/>
-            <a:ext cx="11016996" cy="5057795"/>
+            <a:ext cx="11016996" cy="3242939"/>
           </a:xfrm>
         </p:spPr>
         <p:txBody>
@@ -14324,36 +15016,30 @@
           <a:lstStyle/>
           <a:p>
             <a:r>
-              <a:rPr lang="en-GB" dirty="0" err="1"/>
-              <a:t>load_info</a:t>
-            </a:r>
-            <a:endParaRPr lang="en-GB" dirty="0"/>
-          </a:p>
-          <a:p>
-            <a:endParaRPr lang="en-GB" dirty="0" smtClean="0"/>
-          </a:p>
-          <a:p>
-            <a:endParaRPr lang="en-GB" dirty="0"/>
-          </a:p>
-          <a:p>
-            <a:endParaRPr lang="en-GB" dirty="0" smtClean="0"/>
-          </a:p>
-          <a:p>
-            <a:endParaRPr lang="en-GB" dirty="0"/>
-          </a:p>
-          <a:p>
-            <a:endParaRPr lang="en-GB" dirty="0"/>
-          </a:p>
-          <a:p>
-            <a:pPr marL="628650" lvl="2" indent="0">
-              <a:buNone/>
-            </a:pPr>
-            <a:endParaRPr lang="en-US" sz="1600" dirty="0" smtClean="0"/>
-          </a:p>
-          <a:p>
-            <a:pPr marL="628650" lvl="2" indent="0">
-              <a:buNone/>
-            </a:pPr>
+              <a:rPr lang="en-US" sz="2200" dirty="0">
+                <a:hlinkClick r:id="rId2"/>
+              </a:rPr>
+              <a:t>https://</a:t>
+            </a:r>
+            <a:r>
+              <a:rPr lang="en-US" sz="2200" dirty="0" smtClean="0">
+                <a:hlinkClick r:id="rId2"/>
+              </a:rPr>
+              <a:t>github.com/drb1972/ITAU.git</a:t>
+            </a:r>
+            <a:r>
+              <a:rPr lang="en-US" sz="2200" dirty="0" smtClean="0"/>
+              <a:t> </a:t>
+            </a:r>
+          </a:p>
+          <a:p>
+            <a:endParaRPr lang="en-US" sz="2200" dirty="0"/>
+          </a:p>
+          <a:p>
+            <a:endParaRPr lang="en-US" sz="2200" dirty="0" smtClean="0"/>
+          </a:p>
+          <a:p>
+            <a:pPr lvl="2"/>
             <a:endParaRPr lang="en-US" sz="1600" dirty="0" smtClean="0"/>
           </a:p>
           <a:p>
@@ -14384,34 +15070,33 @@
           </a:p>
         </p:txBody>
       </p:sp>
-      <p:pic>
-        <p:nvPicPr>
-          <p:cNvPr id="5" name="Picture 4"/>
-          <p:cNvPicPr>
-            <a:picLocks noChangeAspect="1"/>
-          </p:cNvPicPr>
-          <p:nvPr/>
-        </p:nvPicPr>
-        <p:blipFill>
-          <a:blip r:embed="rId2"/>
-          <a:stretch>
-            <a:fillRect/>
-          </a:stretch>
-        </p:blipFill>
-        <p:spPr>
-          <a:xfrm>
-            <a:off x="2795637" y="1428409"/>
-            <a:ext cx="6251730" cy="5055900"/>
-          </a:xfrm>
-          <a:prstGeom prst="rect">
-            <a:avLst/>
-          </a:prstGeom>
-        </p:spPr>
-      </p:pic>
+      <p:sp>
+        <p:nvSpPr>
+          <p:cNvPr id="2" name="Text Placeholder 1"/>
+          <p:cNvSpPr>
+            <a:spLocks noGrp="1"/>
+          </p:cNvSpPr>
+          <p:nvPr>
+            <p:ph type="body" sz="quarter" idx="12"/>
+          </p:nvPr>
+        </p:nvSpPr>
+        <p:spPr/>
+        <p:txBody>
+          <a:bodyPr/>
+          <a:lstStyle/>
+          <a:p>
+            <a:r>
+              <a:rPr lang="en-GB" dirty="0" smtClean="0"/>
+              <a:t>GitHub Repo with all Data</a:t>
+            </a:r>
+            <a:endParaRPr lang="en-GB" dirty="0"/>
+          </a:p>
+        </p:txBody>
+      </p:sp>
     </p:spTree>
     <p:extLst>
       <p:ext uri="{BB962C8B-B14F-4D97-AF65-F5344CB8AC3E}">
-        <p14:creationId xmlns:p14="http://schemas.microsoft.com/office/powerpoint/2010/main" val="2463360306"/>
+        <p14:creationId xmlns:p14="http://schemas.microsoft.com/office/powerpoint/2010/main" val="3546647793"/>
       </p:ext>
     </p:extLst>
   </p:cSld>
@@ -14583,7 +15268,15 @@
           <a:p>
             <a:r>
               <a:rPr lang="en-US" dirty="0"/>
-              <a:t>Zowe Featuring ITAÚ Application Cloning</a:t>
+              <a:t>Zowe Featuring </a:t>
+            </a:r>
+            <a:r>
+              <a:rPr lang="en-US" dirty="0" smtClean="0"/>
+              <a:t>ITAU </a:t>
+            </a:r>
+            <a:r>
+              <a:rPr lang="en-US" dirty="0"/>
+              <a:t>Application Cloning</a:t>
             </a:r>
           </a:p>
         </p:txBody>
@@ -15955,7 +16648,15 @@
           <a:p>
             <a:r>
               <a:rPr lang="en-US" dirty="0"/>
-              <a:t>Zowe Featuring ITAÚ Application Cloning</a:t>
+              <a:t>Zowe Featuring </a:t>
+            </a:r>
+            <a:r>
+              <a:rPr lang="en-US" dirty="0" smtClean="0"/>
+              <a:t>ITAU </a:t>
+            </a:r>
+            <a:r>
+              <a:rPr lang="en-US" dirty="0"/>
+              <a:t>Application Cloning</a:t>
             </a:r>
           </a:p>
         </p:txBody>
@@ -18675,7 +19376,15 @@
           <a:p>
             <a:r>
               <a:rPr lang="en-US" dirty="0"/>
-              <a:t>Zowe Featuring ITAÚ Application Cloning</a:t>
+              <a:t>Zowe Featuring </a:t>
+            </a:r>
+            <a:r>
+              <a:rPr lang="en-US" dirty="0" smtClean="0"/>
+              <a:t>ITAU </a:t>
+            </a:r>
+            <a:r>
+              <a:rPr lang="en-US" dirty="0"/>
+              <a:t>Application Cloning</a:t>
             </a:r>
           </a:p>
         </p:txBody>
@@ -19508,7 +20217,15 @@
           <a:p>
             <a:r>
               <a:rPr lang="en-US" dirty="0"/>
-              <a:t>Zowe Featuring ITAÚ Application Cloning</a:t>
+              <a:t>Zowe Featuring </a:t>
+            </a:r>
+            <a:r>
+              <a:rPr lang="en-US" dirty="0" smtClean="0"/>
+              <a:t>ITAU </a:t>
+            </a:r>
+            <a:r>
+              <a:rPr lang="en-US" dirty="0"/>
+              <a:t>Application Cloning</a:t>
             </a:r>
           </a:p>
         </p:txBody>
@@ -26380,7 +27097,15 @@
           <a:p>
             <a:r>
               <a:rPr lang="en-US" dirty="0"/>
-              <a:t>Zowe Featuring ITAÚ Application Cloning</a:t>
+              <a:t>Zowe Featuring </a:t>
+            </a:r>
+            <a:r>
+              <a:rPr lang="en-US" dirty="0" smtClean="0"/>
+              <a:t>ITAU </a:t>
+            </a:r>
+            <a:r>
+              <a:rPr lang="en-US" dirty="0"/>
+              <a:t>Application Cloning</a:t>
             </a:r>
           </a:p>
         </p:txBody>
@@ -27042,7 +27767,15 @@
           <a:p>
             <a:r>
               <a:rPr lang="en-US" dirty="0"/>
-              <a:t>Zowe Featuring ITAÚ Application Cloning</a:t>
+              <a:t>Zowe Featuring </a:t>
+            </a:r>
+            <a:r>
+              <a:rPr lang="en-US" dirty="0" smtClean="0"/>
+              <a:t>ITAU </a:t>
+            </a:r>
+            <a:r>
+              <a:rPr lang="en-US" dirty="0"/>
+              <a:t>Application Cloning</a:t>
             </a:r>
           </a:p>
         </p:txBody>
@@ -27856,7 +28589,15 @@
           <a:p>
             <a:r>
               <a:rPr lang="en-US" dirty="0"/>
-              <a:t>Zowe Featuring ITAÚ Application Cloning</a:t>
+              <a:t>Zowe Featuring </a:t>
+            </a:r>
+            <a:r>
+              <a:rPr lang="en-US" dirty="0" smtClean="0"/>
+              <a:t>ITAU </a:t>
+            </a:r>
+            <a:r>
+              <a:rPr lang="en-US" dirty="0"/>
+              <a:t>Application Cloning</a:t>
             </a:r>
           </a:p>
         </p:txBody>

--- a/ITAU.pptx
+++ b/ITAU.pptx
@@ -5,10 +5,10 @@
     <p:sldMasterId id="2147484089" r:id="rId1"/>
   </p:sldMasterIdLst>
   <p:notesMasterIdLst>
-    <p:notesMasterId r:id="rId24"/>
+    <p:notesMasterId r:id="rId26"/>
   </p:notesMasterIdLst>
   <p:handoutMasterIdLst>
-    <p:handoutMasterId r:id="rId25"/>
+    <p:handoutMasterId r:id="rId27"/>
   </p:handoutMasterIdLst>
   <p:sldIdLst>
     <p:sldId id="309" r:id="rId2"/>
@@ -30,9 +30,11 @@
     <p:sldId id="304" r:id="rId18"/>
     <p:sldId id="305" r:id="rId19"/>
     <p:sldId id="306" r:id="rId20"/>
-    <p:sldId id="310" r:id="rId21"/>
-    <p:sldId id="284" r:id="rId22"/>
-    <p:sldId id="279" r:id="rId23"/>
+    <p:sldId id="311" r:id="rId21"/>
+    <p:sldId id="312" r:id="rId22"/>
+    <p:sldId id="310" r:id="rId23"/>
+    <p:sldId id="284" r:id="rId24"/>
+    <p:sldId id="279" r:id="rId25"/>
   </p:sldIdLst>
   <p:sldSz cx="12192000" cy="6858000"/>
   <p:notesSz cx="7086600" cy="9359900"/>
@@ -765,7 +767,7 @@
           <a:p>
             <a:fld id="{4FF0A437-926C-4CA3-A06C-CCC97DC4BFA4}" type="slidenum">
               <a:rPr lang="en-US" smtClean="0"/>
-              <a:t>22</a:t>
+              <a:t>24</a:t>
             </a:fld>
             <a:endParaRPr lang="en-US" dirty="0"/>
           </a:p>
@@ -6103,13 +6105,8 @@
             </a:r>
             <a:r>
               <a:rPr lang="en-US" dirty="0"/>
-              <a:t>Application </a:t>
-            </a:r>
-            <a:r>
-              <a:rPr lang="en-US" dirty="0"/>
-              <a:t>Cloning – CA-Brightside</a:t>
-            </a:r>
-            <a:endParaRPr lang="en-US" dirty="0"/>
+              <a:t>Application Cloning – CA-Brightside</a:t>
+            </a:r>
           </a:p>
         </p:txBody>
       </p:sp>
@@ -11089,11 +11086,7 @@
             <a:pPr lvl="2"/>
             <a:r>
               <a:rPr lang="en-US" sz="1600" dirty="0" smtClean="0"/>
-              <a:t>Retriev</a:t>
-            </a:r>
-            <a:r>
-              <a:rPr lang="en-US" sz="1600" dirty="0" smtClean="0"/>
-              <a:t>e all </a:t>
+              <a:t>Retrieve all </a:t>
             </a:r>
             <a:r>
               <a:rPr lang="en-US" sz="1600" dirty="0" err="1" smtClean="0"/>
@@ -14975,29 +14968,35 @@
             <p:ph type="title"/>
           </p:nvPr>
         </p:nvSpPr>
-        <p:spPr/>
+        <p:spPr>
+          <a:xfrm>
+            <a:off x="413004" y="231660"/>
+            <a:ext cx="11365992" cy="366254"/>
+          </a:xfrm>
+        </p:spPr>
         <p:txBody>
           <a:bodyPr/>
           <a:lstStyle/>
           <a:p>
             <a:r>
+              <a:rPr lang="en-US" dirty="0" err="1"/>
+              <a:t>Zowe</a:t>
+            </a:r>
+            <a:r>
               <a:rPr lang="en-US" dirty="0"/>
-              <a:t>Zowe Featuring </a:t>
+              <a:t> </a:t>
             </a:r>
             <a:r>
               <a:rPr lang="en-US" dirty="0" smtClean="0"/>
-              <a:t>ITAU </a:t>
-            </a:r>
-            <a:r>
-              <a:rPr lang="en-US" dirty="0"/>
-              <a:t>Application Cloning</a:t>
-            </a:r>
+              <a:t>Plug-in’s documentation – CA-Brightside</a:t>
+            </a:r>
+            <a:endParaRPr lang="en-US" dirty="0"/>
           </a:p>
         </p:txBody>
       </p:sp>
       <p:sp>
         <p:nvSpPr>
-          <p:cNvPr id="109" name="Text Placeholder 1"/>
+          <p:cNvPr id="5" name="Text Placeholder 4"/>
           <p:cNvSpPr>
             <a:spLocks noGrp="1"/>
           </p:cNvSpPr>
@@ -15005,74 +15004,18 @@
             <p:ph type="body" sz="quarter" idx="10"/>
           </p:nvPr>
         </p:nvSpPr>
-        <p:spPr>
-          <a:xfrm>
-            <a:off x="413004" y="1426514"/>
-            <a:ext cx="11016996" cy="3242939"/>
-          </a:xfrm>
-        </p:spPr>
+        <p:spPr/>
         <p:txBody>
           <a:bodyPr/>
           <a:lstStyle/>
           <a:p>
-            <a:r>
-              <a:rPr lang="en-US" sz="2200" dirty="0">
-                <a:hlinkClick r:id="rId2"/>
-              </a:rPr>
-              <a:t>https://</a:t>
-            </a:r>
-            <a:r>
-              <a:rPr lang="en-US" sz="2200" dirty="0" smtClean="0">
-                <a:hlinkClick r:id="rId2"/>
-              </a:rPr>
-              <a:t>github.com/drb1972/ITAU.git</a:t>
-            </a:r>
-            <a:r>
-              <a:rPr lang="en-US" sz="2200" dirty="0" smtClean="0"/>
-              <a:t> </a:t>
-            </a:r>
-          </a:p>
-          <a:p>
-            <a:endParaRPr lang="en-US" sz="2200" dirty="0"/>
-          </a:p>
-          <a:p>
-            <a:endParaRPr lang="en-US" sz="2200" dirty="0" smtClean="0"/>
-          </a:p>
-          <a:p>
-            <a:pPr lvl="2"/>
-            <a:endParaRPr lang="en-US" sz="1600" dirty="0" smtClean="0"/>
-          </a:p>
-          <a:p>
-            <a:pPr lvl="2"/>
-            <a:endParaRPr lang="en-US" sz="1600" dirty="0" smtClean="0"/>
-          </a:p>
-          <a:p>
-            <a:pPr lvl="2"/>
-            <a:endParaRPr lang="en-US" sz="1600" dirty="0" smtClean="0"/>
-          </a:p>
-          <a:p>
-            <a:pPr marL="628650" lvl="2" indent="0">
-              <a:buNone/>
-            </a:pPr>
-            <a:endParaRPr lang="en-US" dirty="0" smtClean="0"/>
-          </a:p>
-          <a:p>
-            <a:pPr lvl="2"/>
-            <a:endParaRPr lang="en-US" dirty="0" smtClean="0"/>
-          </a:p>
-          <a:p>
-            <a:pPr lvl="2"/>
-            <a:endParaRPr lang="en-US" dirty="0" smtClean="0"/>
-          </a:p>
-          <a:p>
-            <a:pPr lvl="2"/>
             <a:endParaRPr lang="en-US" dirty="0"/>
           </a:p>
         </p:txBody>
       </p:sp>
       <p:sp>
         <p:nvSpPr>
-          <p:cNvPr id="2" name="Text Placeholder 1"/>
+          <p:cNvPr id="7" name="Text Placeholder 6"/>
           <p:cNvSpPr>
             <a:spLocks noGrp="1"/>
           </p:cNvSpPr>
@@ -15080,23 +15023,246 @@
             <p:ph type="body" sz="quarter" idx="12"/>
           </p:nvPr>
         </p:nvSpPr>
-        <p:spPr/>
+        <p:spPr>
+          <a:xfrm>
+            <a:off x="413004" y="699667"/>
+            <a:ext cx="11602733" cy="404261"/>
+          </a:xfrm>
+        </p:spPr>
         <p:txBody>
           <a:bodyPr/>
           <a:lstStyle/>
           <a:p>
             <a:r>
-              <a:rPr lang="en-GB" dirty="0" smtClean="0"/>
-              <a:t>GitHub Repo with all Data</a:t>
-            </a:r>
-            <a:endParaRPr lang="en-GB" dirty="0"/>
+              <a:rPr lang="en-US" sz="2000" dirty="0">
+                <a:hlinkClick r:id="rId2"/>
+              </a:rPr>
+              <a:t>https://docs.zowe.org/stable/user-guide/cli-installcli.html#installing-zowe-cli-from-a-local-package</a:t>
+            </a:r>
+            <a:endParaRPr lang="en-US" sz="2000" dirty="0"/>
+          </a:p>
+        </p:txBody>
+      </p:sp>
+      <p:pic>
+        <p:nvPicPr>
+          <p:cNvPr id="9" name="Picture 8"/>
+          <p:cNvPicPr>
+            <a:picLocks noChangeAspect="1"/>
+          </p:cNvPicPr>
+          <p:nvPr/>
+        </p:nvPicPr>
+        <p:blipFill>
+          <a:blip r:embed="rId3"/>
+          <a:stretch>
+            <a:fillRect/>
+          </a:stretch>
+        </p:blipFill>
+        <p:spPr>
+          <a:xfrm>
+            <a:off x="161826" y="1174969"/>
+            <a:ext cx="11689360" cy="4908885"/>
+          </a:xfrm>
+          <a:prstGeom prst="rect">
+            <a:avLst/>
+          </a:prstGeom>
+        </p:spPr>
+      </p:pic>
+      <p:sp>
+        <p:nvSpPr>
+          <p:cNvPr id="8" name="Rounded Rectangle 7"/>
+          <p:cNvSpPr/>
+          <p:nvPr/>
+        </p:nvSpPr>
+        <p:spPr>
+          <a:xfrm>
+            <a:off x="287978" y="3347919"/>
+            <a:ext cx="1993312" cy="377753"/>
+          </a:xfrm>
+          <a:prstGeom prst="roundRect">
+            <a:avLst/>
+          </a:prstGeom>
+          <a:noFill/>
+          <a:ln w="28575" cap="rnd">
+            <a:solidFill>
+              <a:schemeClr val="tx2"/>
+            </a:solidFill>
+            <a:prstDash val="solid"/>
+            <a:tailEnd type="oval"/>
+          </a:ln>
+        </p:spPr>
+        <p:style>
+          <a:lnRef idx="2">
+            <a:schemeClr val="accent1">
+              <a:shade val="50000"/>
+            </a:schemeClr>
+          </a:lnRef>
+          <a:fillRef idx="1">
+            <a:schemeClr val="accent1"/>
+          </a:fillRef>
+          <a:effectRef idx="0">
+            <a:schemeClr val="accent1"/>
+          </a:effectRef>
+          <a:fontRef idx="minor">
+            <a:schemeClr val="lt1"/>
+          </a:fontRef>
+        </p:style>
+        <p:txBody>
+          <a:bodyPr rtlCol="0" anchor="ctr"/>
+          <a:lstStyle/>
+          <a:p>
+            <a:pPr algn="ctr"/>
+            <a:endParaRPr lang="en-US"/>
+          </a:p>
+        </p:txBody>
+      </p:sp>
+      <p:sp>
+        <p:nvSpPr>
+          <p:cNvPr id="13" name="Rounded Rectangle 12"/>
+          <p:cNvSpPr/>
+          <p:nvPr/>
+        </p:nvSpPr>
+        <p:spPr>
+          <a:xfrm>
+            <a:off x="292687" y="5195808"/>
+            <a:ext cx="1988603" cy="348712"/>
+          </a:xfrm>
+          <a:prstGeom prst="roundRect">
+            <a:avLst/>
+          </a:prstGeom>
+          <a:noFill/>
+          <a:ln w="28575" cap="rnd">
+            <a:solidFill>
+              <a:schemeClr val="tx2"/>
+            </a:solidFill>
+            <a:prstDash val="solid"/>
+            <a:tailEnd type="oval"/>
+          </a:ln>
+        </p:spPr>
+        <p:style>
+          <a:lnRef idx="2">
+            <a:schemeClr val="accent1">
+              <a:shade val="50000"/>
+            </a:schemeClr>
+          </a:lnRef>
+          <a:fillRef idx="1">
+            <a:schemeClr val="accent1"/>
+          </a:fillRef>
+          <a:effectRef idx="0">
+            <a:schemeClr val="accent1"/>
+          </a:effectRef>
+          <a:fontRef idx="minor">
+            <a:schemeClr val="lt1"/>
+          </a:fontRef>
+        </p:style>
+        <p:txBody>
+          <a:bodyPr rtlCol="0" anchor="ctr"/>
+          <a:lstStyle/>
+          <a:p>
+            <a:pPr algn="ctr"/>
+            <a:endParaRPr lang="en-US"/>
+          </a:p>
+        </p:txBody>
+      </p:sp>
+      <p:sp>
+        <p:nvSpPr>
+          <p:cNvPr id="14" name="Rounded Rectangle 13"/>
+          <p:cNvSpPr/>
+          <p:nvPr/>
+        </p:nvSpPr>
+        <p:spPr>
+          <a:xfrm>
+            <a:off x="292688" y="4720699"/>
+            <a:ext cx="1988602" cy="377753"/>
+          </a:xfrm>
+          <a:prstGeom prst="roundRect">
+            <a:avLst/>
+          </a:prstGeom>
+          <a:noFill/>
+          <a:ln w="28575" cap="rnd">
+            <a:solidFill>
+              <a:schemeClr val="tx2"/>
+            </a:solidFill>
+            <a:prstDash val="solid"/>
+            <a:tailEnd type="oval"/>
+          </a:ln>
+        </p:spPr>
+        <p:style>
+          <a:lnRef idx="2">
+            <a:schemeClr val="accent1">
+              <a:shade val="50000"/>
+            </a:schemeClr>
+          </a:lnRef>
+          <a:fillRef idx="1">
+            <a:schemeClr val="accent1"/>
+          </a:fillRef>
+          <a:effectRef idx="0">
+            <a:schemeClr val="accent1"/>
+          </a:effectRef>
+          <a:fontRef idx="minor">
+            <a:schemeClr val="lt1"/>
+          </a:fontRef>
+        </p:style>
+        <p:txBody>
+          <a:bodyPr rtlCol="0" anchor="ctr"/>
+          <a:lstStyle/>
+          <a:p>
+            <a:pPr algn="ctr"/>
+            <a:endParaRPr lang="en-US"/>
+          </a:p>
+        </p:txBody>
+      </p:sp>
+      <p:sp>
+        <p:nvSpPr>
+          <p:cNvPr id="15" name="Rounded Rectangle 14"/>
+          <p:cNvSpPr/>
+          <p:nvPr/>
+        </p:nvSpPr>
+        <p:spPr>
+          <a:xfrm>
+            <a:off x="287978" y="3836932"/>
+            <a:ext cx="1998022" cy="377753"/>
+          </a:xfrm>
+          <a:prstGeom prst="roundRect">
+            <a:avLst/>
+          </a:prstGeom>
+          <a:noFill/>
+          <a:ln w="28575" cap="rnd">
+            <a:solidFill>
+              <a:schemeClr val="tx2"/>
+            </a:solidFill>
+            <a:prstDash val="solid"/>
+            <a:tailEnd type="oval"/>
+          </a:ln>
+        </p:spPr>
+        <p:style>
+          <a:lnRef idx="2">
+            <a:schemeClr val="accent1">
+              <a:shade val="50000"/>
+            </a:schemeClr>
+          </a:lnRef>
+          <a:fillRef idx="1">
+            <a:schemeClr val="accent1"/>
+          </a:fillRef>
+          <a:effectRef idx="0">
+            <a:schemeClr val="accent1"/>
+          </a:effectRef>
+          <a:fontRef idx="minor">
+            <a:schemeClr val="lt1"/>
+          </a:fontRef>
+        </p:style>
+        <p:txBody>
+          <a:bodyPr rtlCol="0" anchor="ctr"/>
+          <a:lstStyle/>
+          <a:p>
+            <a:pPr algn="ctr"/>
+            <a:endParaRPr lang="en-US"/>
           </a:p>
         </p:txBody>
       </p:sp>
     </p:spTree>
     <p:extLst>
       <p:ext uri="{BB962C8B-B14F-4D97-AF65-F5344CB8AC3E}">
-        <p14:creationId xmlns:p14="http://schemas.microsoft.com/office/powerpoint/2010/main" val="3546647793"/>
+        <p14:creationId xmlns:p14="http://schemas.microsoft.com/office/powerpoint/2010/main" val="3766424108"/>
       </p:ext>
     </p:extLst>
   </p:cSld>
@@ -15135,6 +15301,304 @@
       </p:grpSpPr>
       <p:sp>
         <p:nvSpPr>
+          <p:cNvPr id="3" name="Title 2"/>
+          <p:cNvSpPr>
+            <a:spLocks noGrp="1"/>
+          </p:cNvSpPr>
+          <p:nvPr>
+            <p:ph type="title"/>
+          </p:nvPr>
+        </p:nvSpPr>
+        <p:spPr>
+          <a:xfrm>
+            <a:off x="413004" y="311927"/>
+            <a:ext cx="11365992" cy="366254"/>
+          </a:xfrm>
+        </p:spPr>
+        <p:txBody>
+          <a:bodyPr/>
+          <a:lstStyle/>
+          <a:p>
+            <a:r>
+              <a:rPr lang="en-US" dirty="0" err="1"/>
+              <a:t>Zowe</a:t>
+            </a:r>
+            <a:r>
+              <a:rPr lang="en-US" dirty="0"/>
+              <a:t> </a:t>
+            </a:r>
+            <a:r>
+              <a:rPr lang="en-US" dirty="0" smtClean="0"/>
+              <a:t>Plug-in’s documentation – CA-Brightside</a:t>
+            </a:r>
+            <a:endParaRPr lang="en-US" dirty="0"/>
+          </a:p>
+        </p:txBody>
+      </p:sp>
+      <p:sp>
+        <p:nvSpPr>
+          <p:cNvPr id="7" name="Text Placeholder 6"/>
+          <p:cNvSpPr>
+            <a:spLocks noGrp="1"/>
+          </p:cNvSpPr>
+          <p:nvPr>
+            <p:ph type="body" sz="quarter" idx="12"/>
+          </p:nvPr>
+        </p:nvSpPr>
+        <p:spPr>
+          <a:xfrm>
+            <a:off x="413004" y="745957"/>
+            <a:ext cx="11602733" cy="404261"/>
+          </a:xfrm>
+        </p:spPr>
+        <p:txBody>
+          <a:bodyPr/>
+          <a:lstStyle/>
+          <a:p>
+            <a:r>
+              <a:rPr lang="en-US" sz="2000" dirty="0">
+                <a:hlinkClick r:id="rId2"/>
+              </a:rPr>
+              <a:t>https://docs.zowe.org/stable/user-guide/cli-installcli.html#installing-zowe-cli-from-a-local-package</a:t>
+            </a:r>
+            <a:endParaRPr lang="en-US" sz="2000" dirty="0"/>
+          </a:p>
+        </p:txBody>
+      </p:sp>
+      <p:pic>
+        <p:nvPicPr>
+          <p:cNvPr id="10" name="Picture 9"/>
+          <p:cNvPicPr>
+            <a:picLocks noChangeAspect="1"/>
+          </p:cNvPicPr>
+          <p:nvPr/>
+        </p:nvPicPr>
+        <p:blipFill>
+          <a:blip r:embed="rId3"/>
+          <a:stretch>
+            <a:fillRect/>
+          </a:stretch>
+        </p:blipFill>
+        <p:spPr>
+          <a:xfrm>
+            <a:off x="413004" y="1150218"/>
+            <a:ext cx="11540369" cy="5292693"/>
+          </a:xfrm>
+          <a:prstGeom prst="rect">
+            <a:avLst/>
+          </a:prstGeom>
+        </p:spPr>
+      </p:pic>
+    </p:spTree>
+    <p:extLst>
+      <p:ext uri="{BB962C8B-B14F-4D97-AF65-F5344CB8AC3E}">
+        <p14:creationId xmlns:p14="http://schemas.microsoft.com/office/powerpoint/2010/main" val="1128096644"/>
+      </p:ext>
+    </p:extLst>
+  </p:cSld>
+  <p:clrMapOvr>
+    <a:masterClrMapping/>
+  </p:clrMapOvr>
+  <p:transition spd="med">
+    <p:fade/>
+  </p:transition>
+  <p:timing>
+    <p:tnLst>
+      <p:par>
+        <p:cTn id="1" dur="indefinite" restart="never" nodeType="tmRoot"/>
+      </p:par>
+    </p:tnLst>
+  </p:timing>
+</p:sld>
+</file>
+
+<file path=ppt/slides/slide22.xml><?xml version="1.0" encoding="utf-8"?>
+<p:sld xmlns:a="http://schemas.openxmlformats.org/drawingml/2006/main" xmlns:r="http://schemas.openxmlformats.org/officeDocument/2006/relationships" xmlns:p="http://schemas.openxmlformats.org/presentationml/2006/main">
+  <p:cSld>
+    <p:spTree>
+      <p:nvGrpSpPr>
+        <p:cNvPr id="1" name=""/>
+        <p:cNvGrpSpPr/>
+        <p:nvPr/>
+      </p:nvGrpSpPr>
+      <p:grpSpPr>
+        <a:xfrm>
+          <a:off x="0" y="0"/>
+          <a:ext cx="0" cy="0"/>
+          <a:chOff x="0" y="0"/>
+          <a:chExt cx="0" cy="0"/>
+        </a:xfrm>
+      </p:grpSpPr>
+      <p:sp>
+        <p:nvSpPr>
+          <p:cNvPr id="3" name="Title 2"/>
+          <p:cNvSpPr>
+            <a:spLocks noGrp="1"/>
+          </p:cNvSpPr>
+          <p:nvPr>
+            <p:ph type="title"/>
+          </p:nvPr>
+        </p:nvSpPr>
+        <p:spPr/>
+        <p:txBody>
+          <a:bodyPr/>
+          <a:lstStyle/>
+          <a:p>
+            <a:r>
+              <a:rPr lang="en-US" dirty="0"/>
+              <a:t>Zowe Featuring </a:t>
+            </a:r>
+            <a:r>
+              <a:rPr lang="en-US" dirty="0" smtClean="0"/>
+              <a:t>ITAU </a:t>
+            </a:r>
+            <a:r>
+              <a:rPr lang="en-US" dirty="0"/>
+              <a:t>Application Cloning</a:t>
+            </a:r>
+          </a:p>
+        </p:txBody>
+      </p:sp>
+      <p:sp>
+        <p:nvSpPr>
+          <p:cNvPr id="109" name="Text Placeholder 1"/>
+          <p:cNvSpPr>
+            <a:spLocks noGrp="1"/>
+          </p:cNvSpPr>
+          <p:nvPr>
+            <p:ph type="body" sz="quarter" idx="10"/>
+          </p:nvPr>
+        </p:nvSpPr>
+        <p:spPr>
+          <a:xfrm>
+            <a:off x="413004" y="1426514"/>
+            <a:ext cx="11016996" cy="3242939"/>
+          </a:xfrm>
+        </p:spPr>
+        <p:txBody>
+          <a:bodyPr/>
+          <a:lstStyle/>
+          <a:p>
+            <a:r>
+              <a:rPr lang="en-US" sz="2200" dirty="0">
+                <a:hlinkClick r:id="rId2"/>
+              </a:rPr>
+              <a:t>https://</a:t>
+            </a:r>
+            <a:r>
+              <a:rPr lang="en-US" sz="2200" dirty="0" smtClean="0">
+                <a:hlinkClick r:id="rId2"/>
+              </a:rPr>
+              <a:t>github.com/drb1972/ITAU.git</a:t>
+            </a:r>
+            <a:r>
+              <a:rPr lang="en-US" sz="2200" dirty="0" smtClean="0"/>
+              <a:t> </a:t>
+            </a:r>
+          </a:p>
+          <a:p>
+            <a:endParaRPr lang="en-US" sz="2200" dirty="0"/>
+          </a:p>
+          <a:p>
+            <a:endParaRPr lang="en-US" sz="2200" dirty="0" smtClean="0"/>
+          </a:p>
+          <a:p>
+            <a:pPr lvl="2"/>
+            <a:endParaRPr lang="en-US" sz="1600" dirty="0" smtClean="0"/>
+          </a:p>
+          <a:p>
+            <a:pPr lvl="2"/>
+            <a:endParaRPr lang="en-US" sz="1600" dirty="0" smtClean="0"/>
+          </a:p>
+          <a:p>
+            <a:pPr lvl="2"/>
+            <a:endParaRPr lang="en-US" sz="1600" dirty="0" smtClean="0"/>
+          </a:p>
+          <a:p>
+            <a:pPr marL="628650" lvl="2" indent="0">
+              <a:buNone/>
+            </a:pPr>
+            <a:endParaRPr lang="en-US" dirty="0" smtClean="0"/>
+          </a:p>
+          <a:p>
+            <a:pPr lvl="2"/>
+            <a:endParaRPr lang="en-US" dirty="0" smtClean="0"/>
+          </a:p>
+          <a:p>
+            <a:pPr lvl="2"/>
+            <a:endParaRPr lang="en-US" dirty="0" smtClean="0"/>
+          </a:p>
+          <a:p>
+            <a:pPr lvl="2"/>
+            <a:endParaRPr lang="en-US" dirty="0"/>
+          </a:p>
+        </p:txBody>
+      </p:sp>
+      <p:sp>
+        <p:nvSpPr>
+          <p:cNvPr id="2" name="Text Placeholder 1"/>
+          <p:cNvSpPr>
+            <a:spLocks noGrp="1"/>
+          </p:cNvSpPr>
+          <p:nvPr>
+            <p:ph type="body" sz="quarter" idx="12"/>
+          </p:nvPr>
+        </p:nvSpPr>
+        <p:spPr/>
+        <p:txBody>
+          <a:bodyPr/>
+          <a:lstStyle/>
+          <a:p>
+            <a:r>
+              <a:rPr lang="en-GB" dirty="0" smtClean="0"/>
+              <a:t>GitHub Repo with all Data</a:t>
+            </a:r>
+            <a:endParaRPr lang="en-GB" dirty="0"/>
+          </a:p>
+        </p:txBody>
+      </p:sp>
+    </p:spTree>
+    <p:extLst>
+      <p:ext uri="{BB962C8B-B14F-4D97-AF65-F5344CB8AC3E}">
+        <p14:creationId xmlns:p14="http://schemas.microsoft.com/office/powerpoint/2010/main" val="3546647793"/>
+      </p:ext>
+    </p:extLst>
+  </p:cSld>
+  <p:clrMapOvr>
+    <a:masterClrMapping/>
+  </p:clrMapOvr>
+  <p:transition spd="med">
+    <p:fade/>
+  </p:transition>
+  <p:timing>
+    <p:tnLst>
+      <p:par>
+        <p:cTn id="1" dur="indefinite" restart="never" nodeType="tmRoot"/>
+      </p:par>
+    </p:tnLst>
+  </p:timing>
+</p:sld>
+</file>
+
+<file path=ppt/slides/slide23.xml><?xml version="1.0" encoding="utf-8"?>
+<p:sld xmlns:a="http://schemas.openxmlformats.org/drawingml/2006/main" xmlns:r="http://schemas.openxmlformats.org/officeDocument/2006/relationships" xmlns:p="http://schemas.openxmlformats.org/presentationml/2006/main">
+  <p:cSld>
+    <p:spTree>
+      <p:nvGrpSpPr>
+        <p:cNvPr id="1" name=""/>
+        <p:cNvGrpSpPr/>
+        <p:nvPr/>
+      </p:nvGrpSpPr>
+      <p:grpSpPr>
+        <a:xfrm>
+          <a:off x="0" y="0"/>
+          <a:ext cx="0" cy="0"/>
+          <a:chOff x="0" y="0"/>
+          <a:chExt cx="0" cy="0"/>
+        </a:xfrm>
+      </p:grpSpPr>
+      <p:sp>
+        <p:nvSpPr>
           <p:cNvPr id="2" name="Text Placeholder 1">
             <a:extLst>
               <a:ext uri="{FF2B5EF4-FFF2-40B4-BE49-F238E27FC236}">
@@ -15185,7 +15649,7 @@
 </p:sld>
 </file>
 
-<file path=ppt/slides/slide22.xml><?xml version="1.0" encoding="utf-8"?>
+<file path=ppt/slides/slide24.xml><?xml version="1.0" encoding="utf-8"?>
 <p:sld xmlns:a="http://schemas.openxmlformats.org/drawingml/2006/main" xmlns:r="http://schemas.openxmlformats.org/officeDocument/2006/relationships" xmlns:p="http://schemas.openxmlformats.org/presentationml/2006/main">
   <p:cSld>
     <p:spTree>
